--- a/final_EDA.pptx
+++ b/final_EDA.pptx
@@ -7,26 +7,27 @@
   <p:sldIdLst>
     <p:sldId id="256" r:id="rId2"/>
     <p:sldId id="259" r:id="rId3"/>
-    <p:sldId id="257" r:id="rId4"/>
-    <p:sldId id="314" r:id="rId5"/>
-    <p:sldId id="337" r:id="rId6"/>
-    <p:sldId id="258" r:id="rId7"/>
-    <p:sldId id="260" r:id="rId8"/>
-    <p:sldId id="339" r:id="rId9"/>
-    <p:sldId id="340" r:id="rId10"/>
-    <p:sldId id="341" r:id="rId11"/>
-    <p:sldId id="342" r:id="rId12"/>
-    <p:sldId id="343" r:id="rId13"/>
-    <p:sldId id="338" r:id="rId14"/>
-    <p:sldId id="344" r:id="rId15"/>
-    <p:sldId id="345" r:id="rId16"/>
-    <p:sldId id="346" r:id="rId17"/>
-    <p:sldId id="347" r:id="rId18"/>
-    <p:sldId id="349" r:id="rId19"/>
-    <p:sldId id="348" r:id="rId20"/>
-    <p:sldId id="270" r:id="rId21"/>
-    <p:sldId id="326" r:id="rId22"/>
-    <p:sldId id="350" r:id="rId23"/>
+    <p:sldId id="351" r:id="rId4"/>
+    <p:sldId id="257" r:id="rId5"/>
+    <p:sldId id="314" r:id="rId6"/>
+    <p:sldId id="337" r:id="rId7"/>
+    <p:sldId id="258" r:id="rId8"/>
+    <p:sldId id="260" r:id="rId9"/>
+    <p:sldId id="339" r:id="rId10"/>
+    <p:sldId id="340" r:id="rId11"/>
+    <p:sldId id="341" r:id="rId12"/>
+    <p:sldId id="342" r:id="rId13"/>
+    <p:sldId id="343" r:id="rId14"/>
+    <p:sldId id="338" r:id="rId15"/>
+    <p:sldId id="344" r:id="rId16"/>
+    <p:sldId id="345" r:id="rId17"/>
+    <p:sldId id="346" r:id="rId18"/>
+    <p:sldId id="347" r:id="rId19"/>
+    <p:sldId id="349" r:id="rId20"/>
+    <p:sldId id="348" r:id="rId21"/>
+    <p:sldId id="270" r:id="rId22"/>
+    <p:sldId id="326" r:id="rId23"/>
+    <p:sldId id="350" r:id="rId24"/>
   </p:sldIdLst>
   <p:sldSz cx="12192000" cy="6858000"/>
   <p:notesSz cx="6858000" cy="9144000"/>
@@ -280,7 +281,7 @@
           <a:p>
             <a:fld id="{713B68B8-8BD8-E54C-BAE7-BA0546BC3AD5}" type="datetimeFigureOut">
               <a:rPr lang="tr-TR" smtClean="0"/>
-              <a:t>13.05.2021</a:t>
+              <a:t>14.05.2021</a:t>
             </a:fld>
             <a:endParaRPr lang="tr-TR"/>
           </a:p>
@@ -478,7 +479,7 @@
           <a:p>
             <a:fld id="{713B68B8-8BD8-E54C-BAE7-BA0546BC3AD5}" type="datetimeFigureOut">
               <a:rPr lang="tr-TR" smtClean="0"/>
-              <a:t>13.05.2021</a:t>
+              <a:t>14.05.2021</a:t>
             </a:fld>
             <a:endParaRPr lang="tr-TR"/>
           </a:p>
@@ -686,7 +687,7 @@
           <a:p>
             <a:fld id="{713B68B8-8BD8-E54C-BAE7-BA0546BC3AD5}" type="datetimeFigureOut">
               <a:rPr lang="tr-TR" smtClean="0"/>
-              <a:t>13.05.2021</a:t>
+              <a:t>14.05.2021</a:t>
             </a:fld>
             <a:endParaRPr lang="tr-TR"/>
           </a:p>
@@ -884,7 +885,7 @@
           <a:p>
             <a:fld id="{713B68B8-8BD8-E54C-BAE7-BA0546BC3AD5}" type="datetimeFigureOut">
               <a:rPr lang="tr-TR" smtClean="0"/>
-              <a:t>13.05.2021</a:t>
+              <a:t>14.05.2021</a:t>
             </a:fld>
             <a:endParaRPr lang="tr-TR"/>
           </a:p>
@@ -1159,7 +1160,7 @@
           <a:p>
             <a:fld id="{713B68B8-8BD8-E54C-BAE7-BA0546BC3AD5}" type="datetimeFigureOut">
               <a:rPr lang="tr-TR" smtClean="0"/>
-              <a:t>13.05.2021</a:t>
+              <a:t>14.05.2021</a:t>
             </a:fld>
             <a:endParaRPr lang="tr-TR"/>
           </a:p>
@@ -1424,7 +1425,7 @@
           <a:p>
             <a:fld id="{713B68B8-8BD8-E54C-BAE7-BA0546BC3AD5}" type="datetimeFigureOut">
               <a:rPr lang="tr-TR" smtClean="0"/>
-              <a:t>13.05.2021</a:t>
+              <a:t>14.05.2021</a:t>
             </a:fld>
             <a:endParaRPr lang="tr-TR"/>
           </a:p>
@@ -1836,7 +1837,7 @@
           <a:p>
             <a:fld id="{713B68B8-8BD8-E54C-BAE7-BA0546BC3AD5}" type="datetimeFigureOut">
               <a:rPr lang="tr-TR" smtClean="0"/>
-              <a:t>13.05.2021</a:t>
+              <a:t>14.05.2021</a:t>
             </a:fld>
             <a:endParaRPr lang="tr-TR"/>
           </a:p>
@@ -1977,7 +1978,7 @@
           <a:p>
             <a:fld id="{713B68B8-8BD8-E54C-BAE7-BA0546BC3AD5}" type="datetimeFigureOut">
               <a:rPr lang="tr-TR" smtClean="0"/>
-              <a:t>13.05.2021</a:t>
+              <a:t>14.05.2021</a:t>
             </a:fld>
             <a:endParaRPr lang="tr-TR"/>
           </a:p>
@@ -2090,7 +2091,7 @@
           <a:p>
             <a:fld id="{713B68B8-8BD8-E54C-BAE7-BA0546BC3AD5}" type="datetimeFigureOut">
               <a:rPr lang="tr-TR" smtClean="0"/>
-              <a:t>13.05.2021</a:t>
+              <a:t>14.05.2021</a:t>
             </a:fld>
             <a:endParaRPr lang="tr-TR"/>
           </a:p>
@@ -2401,7 +2402,7 @@
           <a:p>
             <a:fld id="{713B68B8-8BD8-E54C-BAE7-BA0546BC3AD5}" type="datetimeFigureOut">
               <a:rPr lang="tr-TR" smtClean="0"/>
-              <a:t>13.05.2021</a:t>
+              <a:t>14.05.2021</a:t>
             </a:fld>
             <a:endParaRPr lang="tr-TR"/>
           </a:p>
@@ -2689,7 +2690,7 @@
           <a:p>
             <a:fld id="{713B68B8-8BD8-E54C-BAE7-BA0546BC3AD5}" type="datetimeFigureOut">
               <a:rPr lang="tr-TR" smtClean="0"/>
-              <a:t>13.05.2021</a:t>
+              <a:t>14.05.2021</a:t>
             </a:fld>
             <a:endParaRPr lang="tr-TR"/>
           </a:p>
@@ -2930,7 +2931,7 @@
           <a:p>
             <a:fld id="{713B68B8-8BD8-E54C-BAE7-BA0546BC3AD5}" type="datetimeFigureOut">
               <a:rPr lang="tr-TR" smtClean="0"/>
-              <a:t>13.05.2021</a:t>
+              <a:t>14.05.2021</a:t>
             </a:fld>
             <a:endParaRPr lang="tr-TR"/>
           </a:p>
@@ -3733,7 +3734,7 @@
       </p:grpSpPr>
       <p:sp useBgFill="1">
         <p:nvSpPr>
-          <p:cNvPr id="32" name="Rectangle 31">
+          <p:cNvPr id="27" name="Rectangle 26">
             <a:extLst>
               <a:ext uri="{FF2B5EF4-FFF2-40B4-BE49-F238E27FC236}">
                 <a16:creationId xmlns:a16="http://schemas.microsoft.com/office/drawing/2014/main" id="{022BDE4A-8A20-4A69-9C5A-581C82036A4D}"/>
@@ -3805,8 +3806,8 @@
         </p:nvSpPr>
         <p:spPr>
           <a:xfrm>
-            <a:off x="1005008" y="405115"/>
-            <a:ext cx="10178934" cy="827810"/>
+            <a:off x="912597" y="504735"/>
+            <a:ext cx="10178934" cy="700489"/>
           </a:xfrm>
           <a:prstGeom prst="rect">
             <a:avLst/>
@@ -3838,17 +3839,17 @@
                 <a:ea typeface="+mj-ea"/>
                 <a:cs typeface="+mj-cs"/>
               </a:rPr>
-              <a:t>Frequency of the housing and loan</a:t>
+              <a:t>Frequency of the default and education</a:t>
             </a:r>
           </a:p>
         </p:txBody>
       </p:sp>
       <p:pic>
         <p:nvPicPr>
-          <p:cNvPr id="4" name="Resim 3">
+          <p:cNvPr id="8" name="Resim 7">
             <a:extLst>
               <a:ext uri="{FF2B5EF4-FFF2-40B4-BE49-F238E27FC236}">
-                <a16:creationId xmlns:a16="http://schemas.microsoft.com/office/drawing/2014/main" id="{61C719A2-23A2-EF40-9215-3765C92E4F0B}"/>
+                <a16:creationId xmlns:a16="http://schemas.microsoft.com/office/drawing/2014/main" id="{1217B7E3-E44F-9145-89FE-6C57603A0D80}"/>
               </a:ext>
             </a:extLst>
           </p:cNvPr>
@@ -3859,12 +3860,12 @@
         </p:nvPicPr>
         <p:blipFill rotWithShape="1">
           <a:blip r:embed="rId2"/>
-          <a:srcRect r="-2" b="684"/>
+          <a:srcRect r="4532" b="2"/>
           <a:stretch/>
         </p:blipFill>
         <p:spPr>
           <a:xfrm>
-            <a:off x="190917" y="1993759"/>
+            <a:off x="190917" y="1993760"/>
             <a:ext cx="5803323" cy="3890357"/>
           </a:xfrm>
           <a:prstGeom prst="rect">
@@ -3874,10 +3875,10 @@
       </p:pic>
       <p:pic>
         <p:nvPicPr>
-          <p:cNvPr id="7" name="Resim 6">
+          <p:cNvPr id="5" name="Resim 4">
             <a:extLst>
               <a:ext uri="{FF2B5EF4-FFF2-40B4-BE49-F238E27FC236}">
-                <a16:creationId xmlns:a16="http://schemas.microsoft.com/office/drawing/2014/main" id="{0E3AE355-84FA-5B41-8C9F-15D23FDE06F7}"/>
+                <a16:creationId xmlns:a16="http://schemas.microsoft.com/office/drawing/2014/main" id="{32F3FC92-80D6-574D-85D6-147F178CDC13}"/>
               </a:ext>
             </a:extLst>
           </p:cNvPr>
@@ -3888,12 +3889,12 @@
         </p:nvPicPr>
         <p:blipFill rotWithShape="1">
           <a:blip r:embed="rId3"/>
-          <a:srcRect r="798" b="-3"/>
+          <a:srcRect r="2668" b="3"/>
           <a:stretch/>
         </p:blipFill>
         <p:spPr>
           <a:xfrm>
-            <a:off x="6166068" y="1993758"/>
+            <a:off x="6185158" y="2086433"/>
             <a:ext cx="5803323" cy="3890357"/>
           </a:xfrm>
           <a:prstGeom prst="rect">
@@ -3904,7 +3905,7 @@
     </p:spTree>
     <p:extLst>
       <p:ext uri="{BB962C8B-B14F-4D97-AF65-F5344CB8AC3E}">
-        <p14:creationId xmlns:p14="http://schemas.microsoft.com/office/powerpoint/2010/main" val="978852809"/>
+        <p14:creationId xmlns:p14="http://schemas.microsoft.com/office/powerpoint/2010/main" val="3774498237"/>
       </p:ext>
     </p:extLst>
   </p:cSld>
@@ -3941,7 +3942,7 @@
       </p:grpSpPr>
       <p:sp useBgFill="1">
         <p:nvSpPr>
-          <p:cNvPr id="37" name="Rectangle 36">
+          <p:cNvPr id="32" name="Rectangle 31">
             <a:extLst>
               <a:ext uri="{FF2B5EF4-FFF2-40B4-BE49-F238E27FC236}">
                 <a16:creationId xmlns:a16="http://schemas.microsoft.com/office/drawing/2014/main" id="{022BDE4A-8A20-4A69-9C5A-581C82036A4D}"/>
@@ -4013,8 +4014,8 @@
         </p:nvSpPr>
         <p:spPr>
           <a:xfrm>
-            <a:off x="1005008" y="403719"/>
-            <a:ext cx="10178934" cy="908833"/>
+            <a:off x="1005008" y="405115"/>
+            <a:ext cx="10178934" cy="827810"/>
           </a:xfrm>
           <a:prstGeom prst="rect">
             <a:avLst/>
@@ -4022,7 +4023,7 @@
         </p:spPr>
         <p:txBody>
           <a:bodyPr vert="horz" lIns="91440" tIns="45720" rIns="91440" bIns="45720" rtlCol="0" anchor="b">
-            <a:normAutofit fontScale="92500"/>
+            <a:normAutofit/>
           </a:bodyPr>
           <a:lstStyle/>
           <a:p>
@@ -4046,70 +4047,17 @@
                 <a:ea typeface="+mj-ea"/>
                 <a:cs typeface="+mj-cs"/>
               </a:rPr>
-              <a:t>Frequency of the contract and </a:t>
-            </a:r>
-            <a:r>
-              <a:rPr lang="tr-TR" sz="3600" dirty="0" err="1">
-                <a:latin typeface="+mj-lt"/>
-              </a:rPr>
-              <a:t>last</a:t>
-            </a:r>
-            <a:r>
-              <a:rPr lang="tr-TR" sz="3600" dirty="0">
-                <a:latin typeface="+mj-lt"/>
-              </a:rPr>
-              <a:t> </a:t>
-            </a:r>
-            <a:r>
-              <a:rPr lang="tr-TR" sz="3600" dirty="0" err="1">
-                <a:latin typeface="+mj-lt"/>
-              </a:rPr>
-              <a:t>contact</a:t>
-            </a:r>
-            <a:r>
-              <a:rPr lang="tr-TR" sz="3600" dirty="0">
-                <a:latin typeface="+mj-lt"/>
-              </a:rPr>
-              <a:t> </a:t>
-            </a:r>
-            <a:r>
-              <a:rPr lang="tr-TR" sz="3600" dirty="0" err="1">
-                <a:latin typeface="+mj-lt"/>
-              </a:rPr>
-              <a:t>month</a:t>
-            </a:r>
-            <a:r>
-              <a:rPr lang="tr-TR" sz="3600" dirty="0">
-                <a:latin typeface="+mj-lt"/>
-              </a:rPr>
-              <a:t> of </a:t>
-            </a:r>
-            <a:r>
-              <a:rPr lang="tr-TR" sz="3600" dirty="0" err="1">
-                <a:latin typeface="+mj-lt"/>
-              </a:rPr>
-              <a:t>year</a:t>
-            </a:r>
-            <a:r>
-              <a:rPr lang="tr-TR" sz="3600" dirty="0">
-                <a:latin typeface="+mj-lt"/>
-              </a:rPr>
-              <a:t> </a:t>
-            </a:r>
-            <a:endParaRPr lang="en-US" sz="3600" kern="1200" dirty="0">
-              <a:latin typeface="+mj-lt"/>
-              <a:ea typeface="+mj-ea"/>
-              <a:cs typeface="+mj-cs"/>
-            </a:endParaRPr>
+              <a:t>Frequency of the housing and loan</a:t>
+            </a:r>
           </a:p>
         </p:txBody>
       </p:sp>
       <p:pic>
         <p:nvPicPr>
-          <p:cNvPr id="5" name="Resim 4">
+          <p:cNvPr id="4" name="Resim 3">
             <a:extLst>
               <a:ext uri="{FF2B5EF4-FFF2-40B4-BE49-F238E27FC236}">
-                <a16:creationId xmlns:a16="http://schemas.microsoft.com/office/drawing/2014/main" id="{3707A66C-DC6C-5D4C-B791-5C2F4AE89B06}"/>
+                <a16:creationId xmlns:a16="http://schemas.microsoft.com/office/drawing/2014/main" id="{61C719A2-23A2-EF40-9215-3765C92E4F0B}"/>
               </a:ext>
             </a:extLst>
           </p:cNvPr>
@@ -4120,12 +4068,12 @@
         </p:nvPicPr>
         <p:blipFill rotWithShape="1">
           <a:blip r:embed="rId2"/>
-          <a:srcRect t="3196" r="-2" b="-2"/>
+          <a:srcRect r="-2" b="684"/>
           <a:stretch/>
         </p:blipFill>
         <p:spPr>
           <a:xfrm>
-            <a:off x="190917" y="2109507"/>
+            <a:off x="190917" y="1993759"/>
             <a:ext cx="5803323" cy="3890357"/>
           </a:xfrm>
           <a:prstGeom prst="rect">
@@ -4135,10 +4083,10 @@
       </p:pic>
       <p:pic>
         <p:nvPicPr>
-          <p:cNvPr id="8" name="Resim 7">
+          <p:cNvPr id="7" name="Resim 6">
             <a:extLst>
               <a:ext uri="{FF2B5EF4-FFF2-40B4-BE49-F238E27FC236}">
-                <a16:creationId xmlns:a16="http://schemas.microsoft.com/office/drawing/2014/main" id="{1822C1B4-BE06-0248-8F55-73AC2EDB5C3B}"/>
+                <a16:creationId xmlns:a16="http://schemas.microsoft.com/office/drawing/2014/main" id="{0E3AE355-84FA-5B41-8C9F-15D23FDE06F7}"/>
               </a:ext>
             </a:extLst>
           </p:cNvPr>
@@ -4149,12 +4097,12 @@
         </p:nvPicPr>
         <p:blipFill rotWithShape="1">
           <a:blip r:embed="rId3"/>
-          <a:srcRect r="-2" b="1415"/>
+          <a:srcRect r="798" b="-3"/>
           <a:stretch/>
         </p:blipFill>
         <p:spPr>
           <a:xfrm>
-            <a:off x="6185158" y="2016909"/>
+            <a:off x="6166068" y="1993758"/>
             <a:ext cx="5803323" cy="3890357"/>
           </a:xfrm>
           <a:prstGeom prst="rect">
@@ -4165,7 +4113,7 @@
     </p:spTree>
     <p:extLst>
       <p:ext uri="{BB962C8B-B14F-4D97-AF65-F5344CB8AC3E}">
-        <p14:creationId xmlns:p14="http://schemas.microsoft.com/office/powerpoint/2010/main" val="1123765915"/>
+        <p14:creationId xmlns:p14="http://schemas.microsoft.com/office/powerpoint/2010/main" val="978852809"/>
       </p:ext>
     </p:extLst>
   </p:cSld>
@@ -4202,7 +4150,7 @@
       </p:grpSpPr>
       <p:sp useBgFill="1">
         <p:nvSpPr>
-          <p:cNvPr id="42" name="Rectangle 41">
+          <p:cNvPr id="37" name="Rectangle 36">
             <a:extLst>
               <a:ext uri="{FF2B5EF4-FFF2-40B4-BE49-F238E27FC236}">
                 <a16:creationId xmlns:a16="http://schemas.microsoft.com/office/drawing/2014/main" id="{022BDE4A-8A20-4A69-9C5A-581C82036A4D}"/>
@@ -4274,6 +4222,267 @@
         </p:nvSpPr>
         <p:spPr>
           <a:xfrm>
+            <a:off x="1005008" y="403719"/>
+            <a:ext cx="10178934" cy="908833"/>
+          </a:xfrm>
+          <a:prstGeom prst="rect">
+            <a:avLst/>
+          </a:prstGeom>
+        </p:spPr>
+        <p:txBody>
+          <a:bodyPr vert="horz" lIns="91440" tIns="45720" rIns="91440" bIns="45720" rtlCol="0" anchor="b">
+            <a:normAutofit fontScale="92500"/>
+          </a:bodyPr>
+          <a:lstStyle/>
+          <a:p>
+            <a:pPr algn="ctr">
+              <a:lnSpc>
+                <a:spcPct val="90000"/>
+              </a:lnSpc>
+              <a:spcBef>
+                <a:spcPct val="0"/>
+              </a:spcBef>
+              <a:spcAft>
+                <a:spcPts val="600"/>
+              </a:spcAft>
+            </a:pPr>
+            <a:r>
+              <a:rPr lang="en-US" sz="3600" kern="1200" dirty="0">
+                <a:solidFill>
+                  <a:schemeClr val="tx1"/>
+                </a:solidFill>
+                <a:latin typeface="+mj-lt"/>
+                <a:ea typeface="+mj-ea"/>
+                <a:cs typeface="+mj-cs"/>
+              </a:rPr>
+              <a:t>Frequency of the contract and </a:t>
+            </a:r>
+            <a:r>
+              <a:rPr lang="tr-TR" sz="3600" dirty="0" err="1">
+                <a:latin typeface="+mj-lt"/>
+              </a:rPr>
+              <a:t>last</a:t>
+            </a:r>
+            <a:r>
+              <a:rPr lang="tr-TR" sz="3600" dirty="0">
+                <a:latin typeface="+mj-lt"/>
+              </a:rPr>
+              <a:t> </a:t>
+            </a:r>
+            <a:r>
+              <a:rPr lang="tr-TR" sz="3600" dirty="0" err="1">
+                <a:latin typeface="+mj-lt"/>
+              </a:rPr>
+              <a:t>contact</a:t>
+            </a:r>
+            <a:r>
+              <a:rPr lang="tr-TR" sz="3600" dirty="0">
+                <a:latin typeface="+mj-lt"/>
+              </a:rPr>
+              <a:t> </a:t>
+            </a:r>
+            <a:r>
+              <a:rPr lang="tr-TR" sz="3600" dirty="0" err="1">
+                <a:latin typeface="+mj-lt"/>
+              </a:rPr>
+              <a:t>month</a:t>
+            </a:r>
+            <a:r>
+              <a:rPr lang="tr-TR" sz="3600" dirty="0">
+                <a:latin typeface="+mj-lt"/>
+              </a:rPr>
+              <a:t> of </a:t>
+            </a:r>
+            <a:r>
+              <a:rPr lang="tr-TR" sz="3600" dirty="0" err="1">
+                <a:latin typeface="+mj-lt"/>
+              </a:rPr>
+              <a:t>year</a:t>
+            </a:r>
+            <a:r>
+              <a:rPr lang="tr-TR" sz="3600" dirty="0">
+                <a:latin typeface="+mj-lt"/>
+              </a:rPr>
+              <a:t> </a:t>
+            </a:r>
+            <a:endParaRPr lang="en-US" sz="3600" kern="1200" dirty="0">
+              <a:latin typeface="+mj-lt"/>
+              <a:ea typeface="+mj-ea"/>
+              <a:cs typeface="+mj-cs"/>
+            </a:endParaRPr>
+          </a:p>
+        </p:txBody>
+      </p:sp>
+      <p:pic>
+        <p:nvPicPr>
+          <p:cNvPr id="5" name="Resim 4">
+            <a:extLst>
+              <a:ext uri="{FF2B5EF4-FFF2-40B4-BE49-F238E27FC236}">
+                <a16:creationId xmlns:a16="http://schemas.microsoft.com/office/drawing/2014/main" id="{3707A66C-DC6C-5D4C-B791-5C2F4AE89B06}"/>
+              </a:ext>
+            </a:extLst>
+          </p:cNvPr>
+          <p:cNvPicPr>
+            <a:picLocks noChangeAspect="1"/>
+          </p:cNvPicPr>
+          <p:nvPr/>
+        </p:nvPicPr>
+        <p:blipFill rotWithShape="1">
+          <a:blip r:embed="rId2"/>
+          <a:srcRect t="3196" r="-2" b="-2"/>
+          <a:stretch/>
+        </p:blipFill>
+        <p:spPr>
+          <a:xfrm>
+            <a:off x="190917" y="2109507"/>
+            <a:ext cx="5803323" cy="3890357"/>
+          </a:xfrm>
+          <a:prstGeom prst="rect">
+            <a:avLst/>
+          </a:prstGeom>
+        </p:spPr>
+      </p:pic>
+      <p:pic>
+        <p:nvPicPr>
+          <p:cNvPr id="8" name="Resim 7">
+            <a:extLst>
+              <a:ext uri="{FF2B5EF4-FFF2-40B4-BE49-F238E27FC236}">
+                <a16:creationId xmlns:a16="http://schemas.microsoft.com/office/drawing/2014/main" id="{1822C1B4-BE06-0248-8F55-73AC2EDB5C3B}"/>
+              </a:ext>
+            </a:extLst>
+          </p:cNvPr>
+          <p:cNvPicPr>
+            <a:picLocks noChangeAspect="1"/>
+          </p:cNvPicPr>
+          <p:nvPr/>
+        </p:nvPicPr>
+        <p:blipFill rotWithShape="1">
+          <a:blip r:embed="rId3"/>
+          <a:srcRect r="-2" b="1415"/>
+          <a:stretch/>
+        </p:blipFill>
+        <p:spPr>
+          <a:xfrm>
+            <a:off x="6185158" y="2016909"/>
+            <a:ext cx="5803323" cy="3890357"/>
+          </a:xfrm>
+          <a:prstGeom prst="rect">
+            <a:avLst/>
+          </a:prstGeom>
+        </p:spPr>
+      </p:pic>
+    </p:spTree>
+    <p:extLst>
+      <p:ext uri="{BB962C8B-B14F-4D97-AF65-F5344CB8AC3E}">
+        <p14:creationId xmlns:p14="http://schemas.microsoft.com/office/powerpoint/2010/main" val="1123765915"/>
+      </p:ext>
+    </p:extLst>
+  </p:cSld>
+  <p:clrMapOvr>
+    <a:masterClrMapping/>
+  </p:clrMapOvr>
+</p:sld>
+</file>
+
+<file path=ppt/slides/slide13.xml><?xml version="1.0" encoding="utf-8"?>
+<p:sld xmlns:a="http://schemas.openxmlformats.org/drawingml/2006/main" xmlns:r="http://schemas.openxmlformats.org/officeDocument/2006/relationships" xmlns:p="http://schemas.openxmlformats.org/presentationml/2006/main">
+  <p:cSld>
+    <p:bg>
+      <p:bgPr>
+        <a:solidFill>
+          <a:schemeClr val="bg1"/>
+        </a:solidFill>
+        <a:effectLst/>
+      </p:bgPr>
+    </p:bg>
+    <p:spTree>
+      <p:nvGrpSpPr>
+        <p:cNvPr id="1" name=""/>
+        <p:cNvGrpSpPr/>
+        <p:nvPr/>
+      </p:nvGrpSpPr>
+      <p:grpSpPr>
+        <a:xfrm>
+          <a:off x="0" y="0"/>
+          <a:ext cx="0" cy="0"/>
+          <a:chOff x="0" y="0"/>
+          <a:chExt cx="0" cy="0"/>
+        </a:xfrm>
+      </p:grpSpPr>
+      <p:sp useBgFill="1">
+        <p:nvSpPr>
+          <p:cNvPr id="42" name="Rectangle 41">
+            <a:extLst>
+              <a:ext uri="{FF2B5EF4-FFF2-40B4-BE49-F238E27FC236}">
+                <a16:creationId xmlns:a16="http://schemas.microsoft.com/office/drawing/2014/main" id="{022BDE4A-8A20-4A69-9C5A-581C82036A4D}"/>
+              </a:ext>
+              <a:ext uri="{C183D7F6-B498-43B3-948B-1728B52AA6E4}">
+                <adec:decorative xmlns:adec="http://schemas.microsoft.com/office/drawing/2017/decorative" val="1"/>
+              </a:ext>
+            </a:extLst>
+          </p:cNvPr>
+          <p:cNvSpPr>
+            <a:spLocks noGrp="1" noRot="1" noChangeAspect="1" noMove="1" noResize="1" noEditPoints="1" noAdjustHandles="1" noChangeArrowheads="1" noChangeShapeType="1" noTextEdit="1"/>
+          </p:cNvSpPr>
+          <p:nvPr>
+            <p:extLst>
+              <p:ext uri="{386F3935-93C4-4BCD-93E2-E3B085C9AB24}">
+                <p16:designElem xmlns:p16="http://schemas.microsoft.com/office/powerpoint/2015/main" val="1"/>
+              </p:ext>
+            </p:extLst>
+          </p:nvPr>
+        </p:nvSpPr>
+        <p:spPr>
+          <a:xfrm>
+            <a:off x="-1" y="0"/>
+            <a:ext cx="12188952" cy="6858000"/>
+          </a:xfrm>
+          <a:prstGeom prst="rect">
+            <a:avLst/>
+          </a:prstGeom>
+          <a:ln>
+            <a:noFill/>
+          </a:ln>
+        </p:spPr>
+        <p:style>
+          <a:lnRef idx="2">
+            <a:schemeClr val="accent1">
+              <a:shade val="50000"/>
+            </a:schemeClr>
+          </a:lnRef>
+          <a:fillRef idx="1">
+            <a:schemeClr val="accent1"/>
+          </a:fillRef>
+          <a:effectRef idx="0">
+            <a:schemeClr val="accent1"/>
+          </a:effectRef>
+          <a:fontRef idx="minor">
+            <a:schemeClr val="lt1"/>
+          </a:fontRef>
+        </p:style>
+        <p:txBody>
+          <a:bodyPr rtlCol="0" anchor="ctr"/>
+          <a:lstStyle/>
+          <a:p>
+            <a:pPr algn="ctr"/>
+            <a:endParaRPr lang="en-US"/>
+          </a:p>
+        </p:txBody>
+      </p:sp>
+      <p:sp>
+        <p:nvSpPr>
+          <p:cNvPr id="2" name="Metin kutusu 1">
+            <a:extLst>
+              <a:ext uri="{FF2B5EF4-FFF2-40B4-BE49-F238E27FC236}">
+                <a16:creationId xmlns:a16="http://schemas.microsoft.com/office/drawing/2014/main" id="{9F0FAD5F-9DAA-FB46-A35B-D74A2E8BA9FE}"/>
+              </a:ext>
+            </a:extLst>
+          </p:cNvPr>
+          <p:cNvSpPr txBox="1"/>
+          <p:nvPr/>
+        </p:nvSpPr>
+        <p:spPr>
+          <a:xfrm>
             <a:off x="-92409" y="15596"/>
             <a:ext cx="12188952" cy="677339"/>
           </a:xfrm>
@@ -4439,7 +4648,7 @@
 </p:sld>
 </file>
 
-<file path=ppt/slides/slide13.xml><?xml version="1.0" encoding="utf-8"?>
+<file path=ppt/slides/slide14.xml><?xml version="1.0" encoding="utf-8"?>
 <p:sld xmlns:a="http://schemas.openxmlformats.org/drawingml/2006/main" xmlns:r="http://schemas.openxmlformats.org/officeDocument/2006/relationships" xmlns:p="http://schemas.openxmlformats.org/presentationml/2006/main">
   <p:cSld>
     <p:spTree>
@@ -4574,7 +4783,7 @@
 </p:sld>
 </file>
 
-<file path=ppt/slides/slide14.xml><?xml version="1.0" encoding="utf-8"?>
+<file path=ppt/slides/slide15.xml><?xml version="1.0" encoding="utf-8"?>
 <p:sld xmlns:a="http://schemas.openxmlformats.org/drawingml/2006/main" xmlns:r="http://schemas.openxmlformats.org/officeDocument/2006/relationships" xmlns:p="http://schemas.openxmlformats.org/presentationml/2006/main">
   <p:cSld>
     <p:spTree>
@@ -4832,7 +5041,7 @@
 </p:sld>
 </file>
 
-<file path=ppt/slides/slide15.xml><?xml version="1.0" encoding="utf-8"?>
+<file path=ppt/slides/slide16.xml><?xml version="1.0" encoding="utf-8"?>
 <p:sld xmlns:a="http://schemas.openxmlformats.org/drawingml/2006/main" xmlns:r="http://schemas.openxmlformats.org/officeDocument/2006/relationships" xmlns:p="http://schemas.openxmlformats.org/presentationml/2006/main">
   <p:cSld>
     <p:spTree>
@@ -5060,7 +5269,7 @@
 </p:sld>
 </file>
 
-<file path=ppt/slides/slide16.xml><?xml version="1.0" encoding="utf-8"?>
+<file path=ppt/slides/slide17.xml><?xml version="1.0" encoding="utf-8"?>
 <p:sld xmlns:a="http://schemas.openxmlformats.org/drawingml/2006/main" xmlns:r="http://schemas.openxmlformats.org/officeDocument/2006/relationships" xmlns:p="http://schemas.openxmlformats.org/presentationml/2006/main">
   <p:cSld>
     <p:spTree>
@@ -5286,7 +5495,7 @@
 </p:sld>
 </file>
 
-<file path=ppt/slides/slide17.xml><?xml version="1.0" encoding="utf-8"?>
+<file path=ppt/slides/slide18.xml><?xml version="1.0" encoding="utf-8"?>
 <p:sld xmlns:a="http://schemas.openxmlformats.org/drawingml/2006/main" xmlns:r="http://schemas.openxmlformats.org/officeDocument/2006/relationships" xmlns:p="http://schemas.openxmlformats.org/presentationml/2006/main">
   <p:cSld>
     <p:spTree>
@@ -5459,7 +5668,7 @@
 </p:sld>
 </file>
 
-<file path=ppt/slides/slide18.xml><?xml version="1.0" encoding="utf-8"?>
+<file path=ppt/slides/slide19.xml><?xml version="1.0" encoding="utf-8"?>
 <p:sld xmlns:a="http://schemas.openxmlformats.org/drawingml/2006/main" xmlns:r="http://schemas.openxmlformats.org/officeDocument/2006/relationships" xmlns:p="http://schemas.openxmlformats.org/presentationml/2006/main">
   <p:cSld>
     <p:spTree>
@@ -5632,7 +5841,315 @@
 </p:sld>
 </file>
 
-<file path=ppt/slides/slide19.xml><?xml version="1.0" encoding="utf-8"?>
+<file path=ppt/slides/slide2.xml><?xml version="1.0" encoding="utf-8"?>
+<p:sld xmlns:a="http://schemas.openxmlformats.org/drawingml/2006/main" xmlns:r="http://schemas.openxmlformats.org/officeDocument/2006/relationships" xmlns:p="http://schemas.openxmlformats.org/presentationml/2006/main">
+  <p:cSld>
+    <p:bg>
+      <p:bgPr>
+        <a:solidFill>
+          <a:srgbClr val="5D5757"/>
+        </a:solidFill>
+        <a:effectLst/>
+      </p:bgPr>
+    </p:bg>
+    <p:spTree>
+      <p:nvGrpSpPr>
+        <p:cNvPr id="1" name=""/>
+        <p:cNvGrpSpPr/>
+        <p:nvPr/>
+      </p:nvGrpSpPr>
+      <p:grpSpPr>
+        <a:xfrm>
+          <a:off x="0" y="0"/>
+          <a:ext cx="0" cy="0"/>
+          <a:chOff x="0" y="0"/>
+          <a:chExt cx="0" cy="0"/>
+        </a:xfrm>
+      </p:grpSpPr>
+      <p:sp>
+        <p:nvSpPr>
+          <p:cNvPr id="2" name="Başlık 1">
+            <a:extLst>
+              <a:ext uri="{FF2B5EF4-FFF2-40B4-BE49-F238E27FC236}">
+                <a16:creationId xmlns:a16="http://schemas.microsoft.com/office/drawing/2014/main" id="{36A57F87-4367-8944-8666-97980013330C}"/>
+              </a:ext>
+            </a:extLst>
+          </p:cNvPr>
+          <p:cNvSpPr>
+            <a:spLocks noGrp="1"/>
+          </p:cNvSpPr>
+          <p:nvPr>
+            <p:ph type="title"/>
+          </p:nvPr>
+        </p:nvSpPr>
+        <p:spPr>
+          <a:xfrm>
+            <a:off x="145473" y="129598"/>
+            <a:ext cx="10515600" cy="1325563"/>
+          </a:xfrm>
+        </p:spPr>
+        <p:txBody>
+          <a:bodyPr/>
+          <a:lstStyle/>
+          <a:p>
+            <a:r>
+              <a:rPr lang="tr-TR" b="1" dirty="0" err="1">
+                <a:solidFill>
+                  <a:srgbClr val="FF7417"/>
+                </a:solidFill>
+              </a:rPr>
+              <a:t>Outline</a:t>
+            </a:r>
+            <a:endParaRPr lang="tr-TR" b="1" dirty="0">
+              <a:solidFill>
+                <a:srgbClr val="FF7417"/>
+              </a:solidFill>
+            </a:endParaRPr>
+          </a:p>
+        </p:txBody>
+      </p:sp>
+      <p:sp>
+        <p:nvSpPr>
+          <p:cNvPr id="3" name="İçerik Yer Tutucusu 2">
+            <a:extLst>
+              <a:ext uri="{FF2B5EF4-FFF2-40B4-BE49-F238E27FC236}">
+                <a16:creationId xmlns:a16="http://schemas.microsoft.com/office/drawing/2014/main" id="{2D309B59-DC81-C546-A000-0EED683B4D54}"/>
+              </a:ext>
+            </a:extLst>
+          </p:cNvPr>
+          <p:cNvSpPr>
+            <a:spLocks noGrp="1"/>
+          </p:cNvSpPr>
+          <p:nvPr>
+            <p:ph idx="1"/>
+          </p:nvPr>
+        </p:nvSpPr>
+        <p:spPr>
+          <a:solidFill>
+            <a:srgbClr val="5D5757"/>
+          </a:solidFill>
+        </p:spPr>
+        <p:txBody>
+          <a:bodyPr/>
+          <a:lstStyle/>
+          <a:p>
+            <a:pPr marL="514350" indent="-514350">
+              <a:buFont typeface="+mj-lt"/>
+              <a:buAutoNum type="arabicPeriod"/>
+            </a:pPr>
+            <a:r>
+              <a:rPr lang="tr-TR" dirty="0">
+                <a:solidFill>
+                  <a:schemeClr val="bg1"/>
+                </a:solidFill>
+              </a:rPr>
+              <a:t>Problem </a:t>
+            </a:r>
+            <a:r>
+              <a:rPr lang="tr-TR" dirty="0" err="1">
+                <a:solidFill>
+                  <a:schemeClr val="bg1"/>
+                </a:solidFill>
+              </a:rPr>
+              <a:t>Description</a:t>
+            </a:r>
+            <a:endParaRPr lang="tr-TR" dirty="0">
+              <a:solidFill>
+                <a:schemeClr val="bg1"/>
+              </a:solidFill>
+            </a:endParaRPr>
+          </a:p>
+          <a:p>
+            <a:pPr marL="514350" indent="-514350">
+              <a:buFont typeface="+mj-lt"/>
+              <a:buAutoNum type="arabicPeriod"/>
+            </a:pPr>
+            <a:r>
+              <a:rPr lang="tr-TR" dirty="0">
+                <a:solidFill>
+                  <a:schemeClr val="bg1"/>
+                </a:solidFill>
+              </a:rPr>
+              <a:t>Data </a:t>
+            </a:r>
+            <a:r>
+              <a:rPr lang="tr-TR" dirty="0" err="1">
+                <a:solidFill>
+                  <a:schemeClr val="bg1"/>
+                </a:solidFill>
+              </a:rPr>
+              <a:t>Description</a:t>
+            </a:r>
+            <a:endParaRPr lang="tr-TR" dirty="0">
+              <a:solidFill>
+                <a:schemeClr val="bg1"/>
+              </a:solidFill>
+            </a:endParaRPr>
+          </a:p>
+          <a:p>
+            <a:pPr marL="514350" indent="-514350">
+              <a:buFont typeface="+mj-lt"/>
+              <a:buAutoNum type="arabicPeriod"/>
+            </a:pPr>
+            <a:r>
+              <a:rPr lang="tr-TR" dirty="0" err="1">
+                <a:solidFill>
+                  <a:schemeClr val="bg1"/>
+                </a:solidFill>
+              </a:rPr>
+              <a:t>Explanatory</a:t>
+            </a:r>
+            <a:r>
+              <a:rPr lang="tr-TR" dirty="0">
+                <a:solidFill>
+                  <a:schemeClr val="bg1"/>
+                </a:solidFill>
+              </a:rPr>
+              <a:t> Data </a:t>
+            </a:r>
+            <a:r>
+              <a:rPr lang="tr-TR" dirty="0" err="1">
+                <a:solidFill>
+                  <a:schemeClr val="bg1"/>
+                </a:solidFill>
+              </a:rPr>
+              <a:t>analysis</a:t>
+            </a:r>
+            <a:endParaRPr lang="tr-TR" dirty="0">
+              <a:solidFill>
+                <a:schemeClr val="bg1"/>
+              </a:solidFill>
+            </a:endParaRPr>
+          </a:p>
+          <a:p>
+            <a:pPr marL="514350" indent="-514350">
+              <a:buFont typeface="+mj-lt"/>
+              <a:buAutoNum type="arabicPeriod"/>
+            </a:pPr>
+            <a:r>
+              <a:rPr lang="tr-TR" dirty="0" err="1">
+                <a:solidFill>
+                  <a:schemeClr val="bg1"/>
+                </a:solidFill>
+              </a:rPr>
+              <a:t>Recommended</a:t>
+            </a:r>
+            <a:r>
+              <a:rPr lang="tr-TR" dirty="0">
+                <a:solidFill>
+                  <a:schemeClr val="bg1"/>
+                </a:solidFill>
+              </a:rPr>
+              <a:t> </a:t>
+            </a:r>
+            <a:r>
+              <a:rPr lang="tr-TR" dirty="0" err="1">
+                <a:solidFill>
+                  <a:schemeClr val="bg1"/>
+                </a:solidFill>
+              </a:rPr>
+              <a:t>models</a:t>
+            </a:r>
+            <a:r>
+              <a:rPr lang="tr-TR" dirty="0">
+                <a:solidFill>
+                  <a:schemeClr val="bg1"/>
+                </a:solidFill>
+              </a:rPr>
+              <a:t> </a:t>
+            </a:r>
+            <a:r>
+              <a:rPr lang="tr-TR" dirty="0" err="1">
+                <a:solidFill>
+                  <a:schemeClr val="bg1"/>
+                </a:solidFill>
+              </a:rPr>
+              <a:t>for</a:t>
+            </a:r>
+            <a:r>
+              <a:rPr lang="tr-TR" dirty="0">
+                <a:solidFill>
+                  <a:schemeClr val="bg1"/>
+                </a:solidFill>
+              </a:rPr>
+              <a:t> </a:t>
+            </a:r>
+            <a:r>
+              <a:rPr lang="tr-TR" dirty="0" err="1">
+                <a:solidFill>
+                  <a:schemeClr val="bg1"/>
+                </a:solidFill>
+              </a:rPr>
+              <a:t>this</a:t>
+            </a:r>
+            <a:r>
+              <a:rPr lang="tr-TR" dirty="0">
+                <a:solidFill>
+                  <a:schemeClr val="bg1"/>
+                </a:solidFill>
+              </a:rPr>
+              <a:t> data set</a:t>
+            </a:r>
+          </a:p>
+        </p:txBody>
+      </p:sp>
+      <p:cxnSp>
+        <p:nvCxnSpPr>
+          <p:cNvPr id="5" name="Düz Bağlayıcı 4">
+            <a:extLst>
+              <a:ext uri="{FF2B5EF4-FFF2-40B4-BE49-F238E27FC236}">
+                <a16:creationId xmlns:a16="http://schemas.microsoft.com/office/drawing/2014/main" id="{1902C5E9-9A95-E240-B553-A27D6223C60A}"/>
+              </a:ext>
+            </a:extLst>
+          </p:cNvPr>
+          <p:cNvCxnSpPr>
+            <a:cxnSpLocks/>
+          </p:cNvCxnSpPr>
+          <p:nvPr/>
+        </p:nvCxnSpPr>
+        <p:spPr>
+          <a:xfrm>
+            <a:off x="145473" y="1094509"/>
+            <a:ext cx="7654636" cy="0"/>
+          </a:xfrm>
+          <a:prstGeom prst="line">
+            <a:avLst/>
+          </a:prstGeom>
+          <a:ln>
+            <a:solidFill>
+              <a:srgbClr val="FF7417"/>
+            </a:solidFill>
+          </a:ln>
+        </p:spPr>
+        <p:style>
+          <a:lnRef idx="3">
+            <a:schemeClr val="accent2"/>
+          </a:lnRef>
+          <a:fillRef idx="0">
+            <a:schemeClr val="accent2"/>
+          </a:fillRef>
+          <a:effectRef idx="2">
+            <a:schemeClr val="accent2"/>
+          </a:effectRef>
+          <a:fontRef idx="minor">
+            <a:schemeClr val="tx1"/>
+          </a:fontRef>
+        </p:style>
+      </p:cxnSp>
+    </p:spTree>
+    <p:extLst>
+      <p:ext uri="{BB962C8B-B14F-4D97-AF65-F5344CB8AC3E}">
+        <p14:creationId xmlns:p14="http://schemas.microsoft.com/office/powerpoint/2010/main" val="3574783032"/>
+      </p:ext>
+    </p:extLst>
+  </p:cSld>
+  <p:clrMapOvr>
+    <a:masterClrMapping/>
+  </p:clrMapOvr>
+</p:sld>
+</file>
+
+<file path=ppt/slides/slide20.xml><?xml version="1.0" encoding="utf-8"?>
 <p:sld xmlns:a="http://schemas.openxmlformats.org/drawingml/2006/main" xmlns:r="http://schemas.openxmlformats.org/officeDocument/2006/relationships" xmlns:p="http://schemas.openxmlformats.org/presentationml/2006/main">
   <p:cSld>
     <p:bg>
@@ -6667,315 +7184,7 @@
 </p:sld>
 </file>
 
-<file path=ppt/slides/slide2.xml><?xml version="1.0" encoding="utf-8"?>
-<p:sld xmlns:a="http://schemas.openxmlformats.org/drawingml/2006/main" xmlns:r="http://schemas.openxmlformats.org/officeDocument/2006/relationships" xmlns:p="http://schemas.openxmlformats.org/presentationml/2006/main">
-  <p:cSld>
-    <p:bg>
-      <p:bgPr>
-        <a:solidFill>
-          <a:srgbClr val="5D5757"/>
-        </a:solidFill>
-        <a:effectLst/>
-      </p:bgPr>
-    </p:bg>
-    <p:spTree>
-      <p:nvGrpSpPr>
-        <p:cNvPr id="1" name=""/>
-        <p:cNvGrpSpPr/>
-        <p:nvPr/>
-      </p:nvGrpSpPr>
-      <p:grpSpPr>
-        <a:xfrm>
-          <a:off x="0" y="0"/>
-          <a:ext cx="0" cy="0"/>
-          <a:chOff x="0" y="0"/>
-          <a:chExt cx="0" cy="0"/>
-        </a:xfrm>
-      </p:grpSpPr>
-      <p:sp>
-        <p:nvSpPr>
-          <p:cNvPr id="2" name="Başlık 1">
-            <a:extLst>
-              <a:ext uri="{FF2B5EF4-FFF2-40B4-BE49-F238E27FC236}">
-                <a16:creationId xmlns:a16="http://schemas.microsoft.com/office/drawing/2014/main" id="{36A57F87-4367-8944-8666-97980013330C}"/>
-              </a:ext>
-            </a:extLst>
-          </p:cNvPr>
-          <p:cNvSpPr>
-            <a:spLocks noGrp="1"/>
-          </p:cNvSpPr>
-          <p:nvPr>
-            <p:ph type="title"/>
-          </p:nvPr>
-        </p:nvSpPr>
-        <p:spPr>
-          <a:xfrm>
-            <a:off x="145473" y="129598"/>
-            <a:ext cx="10515600" cy="1325563"/>
-          </a:xfrm>
-        </p:spPr>
-        <p:txBody>
-          <a:bodyPr/>
-          <a:lstStyle/>
-          <a:p>
-            <a:r>
-              <a:rPr lang="tr-TR" b="1" dirty="0" err="1">
-                <a:solidFill>
-                  <a:srgbClr val="FF7417"/>
-                </a:solidFill>
-              </a:rPr>
-              <a:t>Outline</a:t>
-            </a:r>
-            <a:endParaRPr lang="tr-TR" b="1" dirty="0">
-              <a:solidFill>
-                <a:srgbClr val="FF7417"/>
-              </a:solidFill>
-            </a:endParaRPr>
-          </a:p>
-        </p:txBody>
-      </p:sp>
-      <p:sp>
-        <p:nvSpPr>
-          <p:cNvPr id="3" name="İçerik Yer Tutucusu 2">
-            <a:extLst>
-              <a:ext uri="{FF2B5EF4-FFF2-40B4-BE49-F238E27FC236}">
-                <a16:creationId xmlns:a16="http://schemas.microsoft.com/office/drawing/2014/main" id="{2D309B59-DC81-C546-A000-0EED683B4D54}"/>
-              </a:ext>
-            </a:extLst>
-          </p:cNvPr>
-          <p:cNvSpPr>
-            <a:spLocks noGrp="1"/>
-          </p:cNvSpPr>
-          <p:nvPr>
-            <p:ph idx="1"/>
-          </p:nvPr>
-        </p:nvSpPr>
-        <p:spPr>
-          <a:solidFill>
-            <a:srgbClr val="5D5757"/>
-          </a:solidFill>
-        </p:spPr>
-        <p:txBody>
-          <a:bodyPr/>
-          <a:lstStyle/>
-          <a:p>
-            <a:pPr marL="514350" indent="-514350">
-              <a:buFont typeface="+mj-lt"/>
-              <a:buAutoNum type="arabicPeriod"/>
-            </a:pPr>
-            <a:r>
-              <a:rPr lang="tr-TR" dirty="0">
-                <a:solidFill>
-                  <a:schemeClr val="bg1"/>
-                </a:solidFill>
-              </a:rPr>
-              <a:t>Problem </a:t>
-            </a:r>
-            <a:r>
-              <a:rPr lang="tr-TR" dirty="0" err="1">
-                <a:solidFill>
-                  <a:schemeClr val="bg1"/>
-                </a:solidFill>
-              </a:rPr>
-              <a:t>Description</a:t>
-            </a:r>
-            <a:endParaRPr lang="tr-TR" dirty="0">
-              <a:solidFill>
-                <a:schemeClr val="bg1"/>
-              </a:solidFill>
-            </a:endParaRPr>
-          </a:p>
-          <a:p>
-            <a:pPr marL="514350" indent="-514350">
-              <a:buFont typeface="+mj-lt"/>
-              <a:buAutoNum type="arabicPeriod"/>
-            </a:pPr>
-            <a:r>
-              <a:rPr lang="tr-TR" dirty="0">
-                <a:solidFill>
-                  <a:schemeClr val="bg1"/>
-                </a:solidFill>
-              </a:rPr>
-              <a:t>Data </a:t>
-            </a:r>
-            <a:r>
-              <a:rPr lang="tr-TR" dirty="0" err="1">
-                <a:solidFill>
-                  <a:schemeClr val="bg1"/>
-                </a:solidFill>
-              </a:rPr>
-              <a:t>Description</a:t>
-            </a:r>
-            <a:endParaRPr lang="tr-TR" dirty="0">
-              <a:solidFill>
-                <a:schemeClr val="bg1"/>
-              </a:solidFill>
-            </a:endParaRPr>
-          </a:p>
-          <a:p>
-            <a:pPr marL="514350" indent="-514350">
-              <a:buFont typeface="+mj-lt"/>
-              <a:buAutoNum type="arabicPeriod"/>
-            </a:pPr>
-            <a:r>
-              <a:rPr lang="tr-TR" dirty="0" err="1">
-                <a:solidFill>
-                  <a:schemeClr val="bg1"/>
-                </a:solidFill>
-              </a:rPr>
-              <a:t>Explanatory</a:t>
-            </a:r>
-            <a:r>
-              <a:rPr lang="tr-TR" dirty="0">
-                <a:solidFill>
-                  <a:schemeClr val="bg1"/>
-                </a:solidFill>
-              </a:rPr>
-              <a:t> Data </a:t>
-            </a:r>
-            <a:r>
-              <a:rPr lang="tr-TR" dirty="0" err="1">
-                <a:solidFill>
-                  <a:schemeClr val="bg1"/>
-                </a:solidFill>
-              </a:rPr>
-              <a:t>analysis</a:t>
-            </a:r>
-            <a:endParaRPr lang="tr-TR" dirty="0">
-              <a:solidFill>
-                <a:schemeClr val="bg1"/>
-              </a:solidFill>
-            </a:endParaRPr>
-          </a:p>
-          <a:p>
-            <a:pPr marL="514350" indent="-514350">
-              <a:buFont typeface="+mj-lt"/>
-              <a:buAutoNum type="arabicPeriod"/>
-            </a:pPr>
-            <a:r>
-              <a:rPr lang="tr-TR" dirty="0" err="1">
-                <a:solidFill>
-                  <a:schemeClr val="bg1"/>
-                </a:solidFill>
-              </a:rPr>
-              <a:t>Recommended</a:t>
-            </a:r>
-            <a:r>
-              <a:rPr lang="tr-TR" dirty="0">
-                <a:solidFill>
-                  <a:schemeClr val="bg1"/>
-                </a:solidFill>
-              </a:rPr>
-              <a:t> </a:t>
-            </a:r>
-            <a:r>
-              <a:rPr lang="tr-TR" dirty="0" err="1">
-                <a:solidFill>
-                  <a:schemeClr val="bg1"/>
-                </a:solidFill>
-              </a:rPr>
-              <a:t>models</a:t>
-            </a:r>
-            <a:r>
-              <a:rPr lang="tr-TR" dirty="0">
-                <a:solidFill>
-                  <a:schemeClr val="bg1"/>
-                </a:solidFill>
-              </a:rPr>
-              <a:t> </a:t>
-            </a:r>
-            <a:r>
-              <a:rPr lang="tr-TR" dirty="0" err="1">
-                <a:solidFill>
-                  <a:schemeClr val="bg1"/>
-                </a:solidFill>
-              </a:rPr>
-              <a:t>for</a:t>
-            </a:r>
-            <a:r>
-              <a:rPr lang="tr-TR" dirty="0">
-                <a:solidFill>
-                  <a:schemeClr val="bg1"/>
-                </a:solidFill>
-              </a:rPr>
-              <a:t> </a:t>
-            </a:r>
-            <a:r>
-              <a:rPr lang="tr-TR" dirty="0" err="1">
-                <a:solidFill>
-                  <a:schemeClr val="bg1"/>
-                </a:solidFill>
-              </a:rPr>
-              <a:t>this</a:t>
-            </a:r>
-            <a:r>
-              <a:rPr lang="tr-TR" dirty="0">
-                <a:solidFill>
-                  <a:schemeClr val="bg1"/>
-                </a:solidFill>
-              </a:rPr>
-              <a:t> data set</a:t>
-            </a:r>
-          </a:p>
-        </p:txBody>
-      </p:sp>
-      <p:cxnSp>
-        <p:nvCxnSpPr>
-          <p:cNvPr id="5" name="Düz Bağlayıcı 4">
-            <a:extLst>
-              <a:ext uri="{FF2B5EF4-FFF2-40B4-BE49-F238E27FC236}">
-                <a16:creationId xmlns:a16="http://schemas.microsoft.com/office/drawing/2014/main" id="{1902C5E9-9A95-E240-B553-A27D6223C60A}"/>
-              </a:ext>
-            </a:extLst>
-          </p:cNvPr>
-          <p:cNvCxnSpPr>
-            <a:cxnSpLocks/>
-          </p:cNvCxnSpPr>
-          <p:nvPr/>
-        </p:nvCxnSpPr>
-        <p:spPr>
-          <a:xfrm>
-            <a:off x="145473" y="1094509"/>
-            <a:ext cx="7654636" cy="0"/>
-          </a:xfrm>
-          <a:prstGeom prst="line">
-            <a:avLst/>
-          </a:prstGeom>
-          <a:ln>
-            <a:solidFill>
-              <a:srgbClr val="FF7417"/>
-            </a:solidFill>
-          </a:ln>
-        </p:spPr>
-        <p:style>
-          <a:lnRef idx="3">
-            <a:schemeClr val="accent2"/>
-          </a:lnRef>
-          <a:fillRef idx="0">
-            <a:schemeClr val="accent2"/>
-          </a:fillRef>
-          <a:effectRef idx="2">
-            <a:schemeClr val="accent2"/>
-          </a:effectRef>
-          <a:fontRef idx="minor">
-            <a:schemeClr val="tx1"/>
-          </a:fontRef>
-        </p:style>
-      </p:cxnSp>
-    </p:spTree>
-    <p:extLst>
-      <p:ext uri="{BB962C8B-B14F-4D97-AF65-F5344CB8AC3E}">
-        <p14:creationId xmlns:p14="http://schemas.microsoft.com/office/powerpoint/2010/main" val="3574783032"/>
-      </p:ext>
-    </p:extLst>
-  </p:cSld>
-  <p:clrMapOvr>
-    <a:masterClrMapping/>
-  </p:clrMapOvr>
-</p:sld>
-</file>
-
-<file path=ppt/slides/slide20.xml><?xml version="1.0" encoding="utf-8"?>
+<file path=ppt/slides/slide21.xml><?xml version="1.0" encoding="utf-8"?>
 <p:sld xmlns:a="http://schemas.openxmlformats.org/drawingml/2006/main" xmlns:r="http://schemas.openxmlformats.org/officeDocument/2006/relationships" xmlns:p="http://schemas.openxmlformats.org/presentationml/2006/main">
   <p:cSld>
     <p:bg>
@@ -7291,7 +7500,7 @@
 </p:sld>
 </file>
 
-<file path=ppt/slides/slide21.xml><?xml version="1.0" encoding="utf-8"?>
+<file path=ppt/slides/slide22.xml><?xml version="1.0" encoding="utf-8"?>
 <p:sld xmlns:a="http://schemas.openxmlformats.org/drawingml/2006/main" xmlns:r="http://schemas.openxmlformats.org/officeDocument/2006/relationships" xmlns:p="http://schemas.openxmlformats.org/presentationml/2006/main">
   <p:cSld>
     <p:bg>
@@ -8874,7 +9083,7 @@
 </p:sld>
 </file>
 
-<file path=ppt/slides/slide22.xml><?xml version="1.0" encoding="utf-8"?>
+<file path=ppt/slides/slide23.xml><?xml version="1.0" encoding="utf-8"?>
 <p:sld xmlns:a="http://schemas.openxmlformats.org/drawingml/2006/main" xmlns:r="http://schemas.openxmlformats.org/officeDocument/2006/relationships" xmlns:p="http://schemas.openxmlformats.org/presentationml/2006/main">
   <p:cSld>
     <p:bg>
@@ -9460,6 +9669,928 @@
           <p:cNvPr id="2" name="Başlık 1">
             <a:extLst>
               <a:ext uri="{FF2B5EF4-FFF2-40B4-BE49-F238E27FC236}">
+                <a16:creationId xmlns:a16="http://schemas.microsoft.com/office/drawing/2014/main" id="{36A57F87-4367-8944-8666-97980013330C}"/>
+              </a:ext>
+            </a:extLst>
+          </p:cNvPr>
+          <p:cNvSpPr>
+            <a:spLocks noGrp="1"/>
+          </p:cNvSpPr>
+          <p:nvPr>
+            <p:ph type="title"/>
+          </p:nvPr>
+        </p:nvSpPr>
+        <p:spPr>
+          <a:xfrm>
+            <a:off x="145473" y="129598"/>
+            <a:ext cx="10515600" cy="1325563"/>
+          </a:xfrm>
+        </p:spPr>
+        <p:txBody>
+          <a:bodyPr/>
+          <a:lstStyle/>
+          <a:p>
+            <a:r>
+              <a:rPr lang="tr-TR" b="1" dirty="0">
+                <a:solidFill>
+                  <a:srgbClr val="FF7417"/>
+                </a:solidFill>
+              </a:rPr>
+              <a:t>Problem </a:t>
+            </a:r>
+            <a:r>
+              <a:rPr lang="tr-TR" b="1" dirty="0" err="1">
+                <a:solidFill>
+                  <a:srgbClr val="FF7417"/>
+                </a:solidFill>
+              </a:rPr>
+              <a:t>Description</a:t>
+            </a:r>
+            <a:endParaRPr lang="tr-TR" b="1" dirty="0">
+              <a:solidFill>
+                <a:srgbClr val="FF7417"/>
+              </a:solidFill>
+            </a:endParaRPr>
+          </a:p>
+        </p:txBody>
+      </p:sp>
+      <p:sp>
+        <p:nvSpPr>
+          <p:cNvPr id="3" name="İçerik Yer Tutucusu 2">
+            <a:extLst>
+              <a:ext uri="{FF2B5EF4-FFF2-40B4-BE49-F238E27FC236}">
+                <a16:creationId xmlns:a16="http://schemas.microsoft.com/office/drawing/2014/main" id="{2D309B59-DC81-C546-A000-0EED683B4D54}"/>
+              </a:ext>
+            </a:extLst>
+          </p:cNvPr>
+          <p:cNvSpPr>
+            <a:spLocks noGrp="1"/>
+          </p:cNvSpPr>
+          <p:nvPr>
+            <p:ph idx="1"/>
+          </p:nvPr>
+        </p:nvSpPr>
+        <p:spPr>
+          <a:solidFill>
+            <a:srgbClr val="5D5757"/>
+          </a:solidFill>
+        </p:spPr>
+        <p:txBody>
+          <a:bodyPr/>
+          <a:lstStyle/>
+          <a:p>
+            <a:pPr marL="0" indent="0" algn="just">
+              <a:lnSpc>
+                <a:spcPct val="150000"/>
+              </a:lnSpc>
+              <a:buNone/>
+            </a:pPr>
+            <a:r>
+              <a:rPr lang="tr-TR" dirty="0">
+                <a:solidFill>
+                  <a:schemeClr val="bg1">
+                    <a:lumMod val="95000"/>
+                  </a:schemeClr>
+                </a:solidFill>
+              </a:rPr>
+              <a:t>ABC Bank </a:t>
+            </a:r>
+            <a:r>
+              <a:rPr lang="tr-TR" dirty="0" err="1">
+                <a:solidFill>
+                  <a:schemeClr val="bg1">
+                    <a:lumMod val="95000"/>
+                  </a:schemeClr>
+                </a:solidFill>
+              </a:rPr>
+              <a:t>wants</a:t>
+            </a:r>
+            <a:r>
+              <a:rPr lang="tr-TR" dirty="0">
+                <a:solidFill>
+                  <a:schemeClr val="bg1">
+                    <a:lumMod val="95000"/>
+                  </a:schemeClr>
+                </a:solidFill>
+              </a:rPr>
+              <a:t> </a:t>
+            </a:r>
+            <a:r>
+              <a:rPr lang="tr-TR" dirty="0" err="1">
+                <a:solidFill>
+                  <a:schemeClr val="bg1">
+                    <a:lumMod val="95000"/>
+                  </a:schemeClr>
+                </a:solidFill>
+              </a:rPr>
+              <a:t>to</a:t>
+            </a:r>
+            <a:r>
+              <a:rPr lang="tr-TR" dirty="0">
+                <a:solidFill>
+                  <a:schemeClr val="bg1">
+                    <a:lumMod val="95000"/>
+                  </a:schemeClr>
+                </a:solidFill>
+              </a:rPr>
+              <a:t> </a:t>
+            </a:r>
+            <a:r>
+              <a:rPr lang="tr-TR" dirty="0" err="1">
+                <a:solidFill>
+                  <a:schemeClr val="bg1">
+                    <a:lumMod val="95000"/>
+                  </a:schemeClr>
+                </a:solidFill>
+              </a:rPr>
+              <a:t>sell</a:t>
+            </a:r>
+            <a:r>
+              <a:rPr lang="tr-TR" dirty="0">
+                <a:solidFill>
+                  <a:schemeClr val="bg1">
+                    <a:lumMod val="95000"/>
+                  </a:schemeClr>
+                </a:solidFill>
+              </a:rPr>
+              <a:t> </a:t>
+            </a:r>
+            <a:r>
+              <a:rPr lang="tr-TR" dirty="0" err="1">
+                <a:solidFill>
+                  <a:schemeClr val="bg1">
+                    <a:lumMod val="95000"/>
+                  </a:schemeClr>
+                </a:solidFill>
+              </a:rPr>
+              <a:t>it's</a:t>
+            </a:r>
+            <a:r>
+              <a:rPr lang="tr-TR" dirty="0">
+                <a:solidFill>
+                  <a:schemeClr val="bg1">
+                    <a:lumMod val="95000"/>
+                  </a:schemeClr>
+                </a:solidFill>
+              </a:rPr>
+              <a:t> </a:t>
+            </a:r>
+            <a:r>
+              <a:rPr lang="tr-TR" dirty="0" err="1">
+                <a:solidFill>
+                  <a:schemeClr val="bg1">
+                    <a:lumMod val="95000"/>
+                  </a:schemeClr>
+                </a:solidFill>
+              </a:rPr>
+              <a:t>term</a:t>
+            </a:r>
+            <a:r>
+              <a:rPr lang="tr-TR" dirty="0">
+                <a:solidFill>
+                  <a:schemeClr val="bg1">
+                    <a:lumMod val="95000"/>
+                  </a:schemeClr>
+                </a:solidFill>
+              </a:rPr>
+              <a:t> </a:t>
+            </a:r>
+            <a:r>
+              <a:rPr lang="tr-TR" dirty="0" err="1">
+                <a:solidFill>
+                  <a:schemeClr val="bg1">
+                    <a:lumMod val="95000"/>
+                  </a:schemeClr>
+                </a:solidFill>
+              </a:rPr>
+              <a:t>deposit</a:t>
+            </a:r>
+            <a:r>
+              <a:rPr lang="tr-TR" dirty="0">
+                <a:solidFill>
+                  <a:schemeClr val="bg1">
+                    <a:lumMod val="95000"/>
+                  </a:schemeClr>
+                </a:solidFill>
+              </a:rPr>
+              <a:t> </a:t>
+            </a:r>
+            <a:r>
+              <a:rPr lang="tr-TR" dirty="0" err="1">
+                <a:solidFill>
+                  <a:schemeClr val="bg1">
+                    <a:lumMod val="95000"/>
+                  </a:schemeClr>
+                </a:solidFill>
+              </a:rPr>
+              <a:t>product</a:t>
+            </a:r>
+            <a:r>
+              <a:rPr lang="tr-TR" dirty="0">
+                <a:solidFill>
+                  <a:schemeClr val="bg1">
+                    <a:lumMod val="95000"/>
+                  </a:schemeClr>
+                </a:solidFill>
+              </a:rPr>
+              <a:t> </a:t>
+            </a:r>
+            <a:r>
+              <a:rPr lang="tr-TR" dirty="0" err="1">
+                <a:solidFill>
+                  <a:schemeClr val="bg1">
+                    <a:lumMod val="95000"/>
+                  </a:schemeClr>
+                </a:solidFill>
+              </a:rPr>
+              <a:t>to</a:t>
+            </a:r>
+            <a:r>
+              <a:rPr lang="tr-TR" dirty="0">
+                <a:solidFill>
+                  <a:schemeClr val="bg1">
+                    <a:lumMod val="95000"/>
+                  </a:schemeClr>
+                </a:solidFill>
+              </a:rPr>
+              <a:t> </a:t>
+            </a:r>
+            <a:r>
+              <a:rPr lang="tr-TR" dirty="0" err="1">
+                <a:solidFill>
+                  <a:schemeClr val="bg1">
+                    <a:lumMod val="95000"/>
+                  </a:schemeClr>
+                </a:solidFill>
+              </a:rPr>
+              <a:t>customers</a:t>
+            </a:r>
+            <a:r>
+              <a:rPr lang="tr-TR" dirty="0">
+                <a:solidFill>
+                  <a:schemeClr val="bg1">
+                    <a:lumMod val="95000"/>
+                  </a:schemeClr>
+                </a:solidFill>
+              </a:rPr>
+              <a:t> </a:t>
+            </a:r>
+            <a:r>
+              <a:rPr lang="tr-TR" dirty="0" err="1">
+                <a:solidFill>
+                  <a:schemeClr val="bg1">
+                    <a:lumMod val="95000"/>
+                  </a:schemeClr>
+                </a:solidFill>
+              </a:rPr>
+              <a:t>and</a:t>
+            </a:r>
+            <a:r>
+              <a:rPr lang="tr-TR" dirty="0">
+                <a:solidFill>
+                  <a:schemeClr val="bg1">
+                    <a:lumMod val="95000"/>
+                  </a:schemeClr>
+                </a:solidFill>
+              </a:rPr>
+              <a:t> </a:t>
+            </a:r>
+            <a:r>
+              <a:rPr lang="tr-TR" dirty="0" err="1">
+                <a:solidFill>
+                  <a:schemeClr val="bg1">
+                    <a:lumMod val="95000"/>
+                  </a:schemeClr>
+                </a:solidFill>
+              </a:rPr>
+              <a:t>before</a:t>
+            </a:r>
+            <a:r>
+              <a:rPr lang="tr-TR" dirty="0">
+                <a:solidFill>
+                  <a:schemeClr val="bg1">
+                    <a:lumMod val="95000"/>
+                  </a:schemeClr>
+                </a:solidFill>
+              </a:rPr>
+              <a:t> </a:t>
+            </a:r>
+            <a:r>
+              <a:rPr lang="tr-TR" dirty="0" err="1">
+                <a:solidFill>
+                  <a:schemeClr val="bg1">
+                    <a:lumMod val="95000"/>
+                  </a:schemeClr>
+                </a:solidFill>
+              </a:rPr>
+              <a:t>launching</a:t>
+            </a:r>
+            <a:r>
+              <a:rPr lang="tr-TR" dirty="0">
+                <a:solidFill>
+                  <a:schemeClr val="bg1">
+                    <a:lumMod val="95000"/>
+                  </a:schemeClr>
+                </a:solidFill>
+              </a:rPr>
+              <a:t> </a:t>
+            </a:r>
+            <a:r>
+              <a:rPr lang="tr-TR" dirty="0" err="1">
+                <a:solidFill>
+                  <a:schemeClr val="bg1">
+                    <a:lumMod val="95000"/>
+                  </a:schemeClr>
+                </a:solidFill>
+              </a:rPr>
+              <a:t>the</a:t>
+            </a:r>
+            <a:r>
+              <a:rPr lang="tr-TR" dirty="0">
+                <a:solidFill>
+                  <a:schemeClr val="bg1">
+                    <a:lumMod val="95000"/>
+                  </a:schemeClr>
+                </a:solidFill>
+              </a:rPr>
+              <a:t> </a:t>
+            </a:r>
+            <a:r>
+              <a:rPr lang="tr-TR" dirty="0" err="1">
+                <a:solidFill>
+                  <a:schemeClr val="bg1">
+                    <a:lumMod val="95000"/>
+                  </a:schemeClr>
+                </a:solidFill>
+              </a:rPr>
+              <a:t>product</a:t>
+            </a:r>
+            <a:r>
+              <a:rPr lang="tr-TR" dirty="0">
+                <a:solidFill>
+                  <a:schemeClr val="bg1">
+                    <a:lumMod val="95000"/>
+                  </a:schemeClr>
+                </a:solidFill>
+              </a:rPr>
+              <a:t> </a:t>
+            </a:r>
+            <a:r>
+              <a:rPr lang="tr-TR" dirty="0" err="1">
+                <a:solidFill>
+                  <a:schemeClr val="bg1">
+                    <a:lumMod val="95000"/>
+                  </a:schemeClr>
+                </a:solidFill>
+              </a:rPr>
+              <a:t>they</a:t>
+            </a:r>
+            <a:r>
+              <a:rPr lang="tr-TR" dirty="0">
+                <a:solidFill>
+                  <a:schemeClr val="bg1">
+                    <a:lumMod val="95000"/>
+                  </a:schemeClr>
+                </a:solidFill>
+              </a:rPr>
+              <a:t> </a:t>
+            </a:r>
+            <a:r>
+              <a:rPr lang="tr-TR" dirty="0" err="1">
+                <a:solidFill>
+                  <a:schemeClr val="bg1">
+                    <a:lumMod val="95000"/>
+                  </a:schemeClr>
+                </a:solidFill>
+              </a:rPr>
+              <a:t>want</a:t>
+            </a:r>
+            <a:r>
+              <a:rPr lang="tr-TR" dirty="0">
+                <a:solidFill>
+                  <a:schemeClr val="bg1">
+                    <a:lumMod val="95000"/>
+                  </a:schemeClr>
+                </a:solidFill>
+              </a:rPr>
+              <a:t> </a:t>
+            </a:r>
+            <a:r>
+              <a:rPr lang="tr-TR" dirty="0" err="1">
+                <a:solidFill>
+                  <a:schemeClr val="bg1">
+                    <a:lumMod val="95000"/>
+                  </a:schemeClr>
+                </a:solidFill>
+              </a:rPr>
+              <a:t>to</a:t>
+            </a:r>
+            <a:r>
+              <a:rPr lang="tr-TR" dirty="0">
+                <a:solidFill>
+                  <a:schemeClr val="bg1">
+                    <a:lumMod val="95000"/>
+                  </a:schemeClr>
+                </a:solidFill>
+              </a:rPr>
+              <a:t> </a:t>
+            </a:r>
+            <a:r>
+              <a:rPr lang="tr-TR" dirty="0" err="1">
+                <a:solidFill>
+                  <a:schemeClr val="bg1">
+                    <a:lumMod val="95000"/>
+                  </a:schemeClr>
+                </a:solidFill>
+              </a:rPr>
+              <a:t>develop</a:t>
+            </a:r>
+            <a:r>
+              <a:rPr lang="tr-TR" dirty="0">
+                <a:solidFill>
+                  <a:schemeClr val="bg1">
+                    <a:lumMod val="95000"/>
+                  </a:schemeClr>
+                </a:solidFill>
+              </a:rPr>
+              <a:t> a model </a:t>
+            </a:r>
+            <a:r>
+              <a:rPr lang="tr-TR" dirty="0" err="1">
+                <a:solidFill>
+                  <a:schemeClr val="bg1">
+                    <a:lumMod val="95000"/>
+                  </a:schemeClr>
+                </a:solidFill>
+              </a:rPr>
+              <a:t>which</a:t>
+            </a:r>
+            <a:r>
+              <a:rPr lang="tr-TR" dirty="0">
+                <a:solidFill>
+                  <a:schemeClr val="bg1">
+                    <a:lumMod val="95000"/>
+                  </a:schemeClr>
+                </a:solidFill>
+              </a:rPr>
+              <a:t> </a:t>
+            </a:r>
+            <a:r>
+              <a:rPr lang="tr-TR" dirty="0" err="1">
+                <a:solidFill>
+                  <a:schemeClr val="bg1">
+                    <a:lumMod val="95000"/>
+                  </a:schemeClr>
+                </a:solidFill>
+              </a:rPr>
+              <a:t>help</a:t>
+            </a:r>
+            <a:r>
+              <a:rPr lang="tr-TR" dirty="0">
+                <a:solidFill>
+                  <a:schemeClr val="bg1">
+                    <a:lumMod val="95000"/>
+                  </a:schemeClr>
+                </a:solidFill>
+              </a:rPr>
+              <a:t> </a:t>
+            </a:r>
+            <a:r>
+              <a:rPr lang="tr-TR" dirty="0" err="1">
+                <a:solidFill>
+                  <a:schemeClr val="bg1">
+                    <a:lumMod val="95000"/>
+                  </a:schemeClr>
+                </a:solidFill>
+              </a:rPr>
+              <a:t>them</a:t>
+            </a:r>
+            <a:r>
+              <a:rPr lang="tr-TR" dirty="0">
+                <a:solidFill>
+                  <a:schemeClr val="bg1">
+                    <a:lumMod val="95000"/>
+                  </a:schemeClr>
+                </a:solidFill>
+              </a:rPr>
+              <a:t> in </a:t>
+            </a:r>
+            <a:r>
+              <a:rPr lang="tr-TR" dirty="0" err="1">
+                <a:solidFill>
+                  <a:schemeClr val="bg1">
+                    <a:lumMod val="95000"/>
+                  </a:schemeClr>
+                </a:solidFill>
+              </a:rPr>
+              <a:t>understanding</a:t>
+            </a:r>
+            <a:r>
+              <a:rPr lang="tr-TR" dirty="0">
+                <a:solidFill>
+                  <a:schemeClr val="bg1">
+                    <a:lumMod val="95000"/>
+                  </a:schemeClr>
+                </a:solidFill>
+              </a:rPr>
+              <a:t> </a:t>
+            </a:r>
+            <a:r>
+              <a:rPr lang="tr-TR" dirty="0" err="1">
+                <a:solidFill>
+                  <a:schemeClr val="bg1">
+                    <a:lumMod val="95000"/>
+                  </a:schemeClr>
+                </a:solidFill>
+              </a:rPr>
+              <a:t>whether</a:t>
+            </a:r>
+            <a:r>
+              <a:rPr lang="tr-TR" dirty="0">
+                <a:solidFill>
+                  <a:schemeClr val="bg1">
+                    <a:lumMod val="95000"/>
+                  </a:schemeClr>
+                </a:solidFill>
+              </a:rPr>
+              <a:t> a </a:t>
+            </a:r>
+            <a:r>
+              <a:rPr lang="tr-TR" dirty="0" err="1">
+                <a:solidFill>
+                  <a:schemeClr val="bg1">
+                    <a:lumMod val="95000"/>
+                  </a:schemeClr>
+                </a:solidFill>
+              </a:rPr>
+              <a:t>particular</a:t>
+            </a:r>
+            <a:r>
+              <a:rPr lang="tr-TR" dirty="0">
+                <a:solidFill>
+                  <a:schemeClr val="bg1">
+                    <a:lumMod val="95000"/>
+                  </a:schemeClr>
+                </a:solidFill>
+              </a:rPr>
+              <a:t> </a:t>
+            </a:r>
+            <a:r>
+              <a:rPr lang="tr-TR" dirty="0" err="1">
+                <a:solidFill>
+                  <a:schemeClr val="bg1">
+                    <a:lumMod val="95000"/>
+                  </a:schemeClr>
+                </a:solidFill>
+              </a:rPr>
+              <a:t>customer</a:t>
+            </a:r>
+            <a:r>
+              <a:rPr lang="tr-TR" dirty="0">
+                <a:solidFill>
+                  <a:schemeClr val="bg1">
+                    <a:lumMod val="95000"/>
+                  </a:schemeClr>
+                </a:solidFill>
+              </a:rPr>
+              <a:t> </a:t>
+            </a:r>
+            <a:r>
+              <a:rPr lang="tr-TR" dirty="0" err="1">
+                <a:solidFill>
+                  <a:schemeClr val="bg1">
+                    <a:lumMod val="95000"/>
+                  </a:schemeClr>
+                </a:solidFill>
+              </a:rPr>
+              <a:t>will</a:t>
+            </a:r>
+            <a:r>
+              <a:rPr lang="tr-TR" dirty="0">
+                <a:solidFill>
+                  <a:schemeClr val="bg1">
+                    <a:lumMod val="95000"/>
+                  </a:schemeClr>
+                </a:solidFill>
+              </a:rPr>
+              <a:t> buy </a:t>
+            </a:r>
+            <a:r>
+              <a:rPr lang="tr-TR" dirty="0" err="1">
+                <a:solidFill>
+                  <a:schemeClr val="bg1">
+                    <a:lumMod val="95000"/>
+                  </a:schemeClr>
+                </a:solidFill>
+              </a:rPr>
+              <a:t>their</a:t>
+            </a:r>
+            <a:r>
+              <a:rPr lang="tr-TR" dirty="0">
+                <a:solidFill>
+                  <a:schemeClr val="bg1">
+                    <a:lumMod val="95000"/>
+                  </a:schemeClr>
+                </a:solidFill>
+              </a:rPr>
+              <a:t> </a:t>
+            </a:r>
+            <a:r>
+              <a:rPr lang="tr-TR" dirty="0" err="1">
+                <a:solidFill>
+                  <a:schemeClr val="bg1">
+                    <a:lumMod val="95000"/>
+                  </a:schemeClr>
+                </a:solidFill>
+              </a:rPr>
+              <a:t>product</a:t>
+            </a:r>
+            <a:r>
+              <a:rPr lang="tr-TR" dirty="0">
+                <a:solidFill>
+                  <a:schemeClr val="bg1">
+                    <a:lumMod val="95000"/>
+                  </a:schemeClr>
+                </a:solidFill>
+              </a:rPr>
+              <a:t> </a:t>
+            </a:r>
+            <a:r>
+              <a:rPr lang="tr-TR" dirty="0" err="1">
+                <a:solidFill>
+                  <a:schemeClr val="bg1">
+                    <a:lumMod val="95000"/>
+                  </a:schemeClr>
+                </a:solidFill>
+              </a:rPr>
+              <a:t>or</a:t>
+            </a:r>
+            <a:r>
+              <a:rPr lang="tr-TR" dirty="0">
+                <a:solidFill>
+                  <a:schemeClr val="bg1">
+                    <a:lumMod val="95000"/>
+                  </a:schemeClr>
+                </a:solidFill>
+              </a:rPr>
+              <a:t> not (</a:t>
+            </a:r>
+            <a:r>
+              <a:rPr lang="tr-TR" dirty="0" err="1">
+                <a:solidFill>
+                  <a:schemeClr val="bg1">
+                    <a:lumMod val="95000"/>
+                  </a:schemeClr>
+                </a:solidFill>
+              </a:rPr>
+              <a:t>based</a:t>
+            </a:r>
+            <a:r>
+              <a:rPr lang="tr-TR" dirty="0">
+                <a:solidFill>
+                  <a:schemeClr val="bg1">
+                    <a:lumMod val="95000"/>
+                  </a:schemeClr>
+                </a:solidFill>
+              </a:rPr>
+              <a:t> on </a:t>
+            </a:r>
+            <a:r>
+              <a:rPr lang="tr-TR" dirty="0" err="1">
+                <a:solidFill>
+                  <a:schemeClr val="bg1">
+                    <a:lumMod val="95000"/>
+                  </a:schemeClr>
+                </a:solidFill>
+              </a:rPr>
+              <a:t>customer's</a:t>
+            </a:r>
+            <a:r>
+              <a:rPr lang="tr-TR" dirty="0">
+                <a:solidFill>
+                  <a:schemeClr val="bg1">
+                    <a:lumMod val="95000"/>
+                  </a:schemeClr>
+                </a:solidFill>
+              </a:rPr>
+              <a:t> </a:t>
+            </a:r>
+            <a:r>
+              <a:rPr lang="tr-TR" dirty="0" err="1">
+                <a:solidFill>
+                  <a:schemeClr val="bg1">
+                    <a:lumMod val="95000"/>
+                  </a:schemeClr>
+                </a:solidFill>
+              </a:rPr>
+              <a:t>past</a:t>
+            </a:r>
+            <a:r>
+              <a:rPr lang="tr-TR" dirty="0">
+                <a:solidFill>
+                  <a:schemeClr val="bg1">
+                    <a:lumMod val="95000"/>
+                  </a:schemeClr>
+                </a:solidFill>
+              </a:rPr>
+              <a:t> </a:t>
+            </a:r>
+            <a:r>
+              <a:rPr lang="tr-TR" dirty="0" err="1">
+                <a:solidFill>
+                  <a:schemeClr val="bg1">
+                    <a:lumMod val="95000"/>
+                  </a:schemeClr>
+                </a:solidFill>
+              </a:rPr>
+              <a:t>interaction</a:t>
+            </a:r>
+            <a:r>
+              <a:rPr lang="tr-TR" dirty="0">
+                <a:solidFill>
+                  <a:schemeClr val="bg1">
+                    <a:lumMod val="95000"/>
+                  </a:schemeClr>
+                </a:solidFill>
+              </a:rPr>
+              <a:t> </a:t>
+            </a:r>
+            <a:r>
+              <a:rPr lang="tr-TR" dirty="0" err="1">
+                <a:solidFill>
+                  <a:schemeClr val="bg1">
+                    <a:lumMod val="95000"/>
+                  </a:schemeClr>
+                </a:solidFill>
+              </a:rPr>
+              <a:t>with</a:t>
+            </a:r>
+            <a:r>
+              <a:rPr lang="tr-TR" dirty="0">
+                <a:solidFill>
+                  <a:schemeClr val="bg1">
+                    <a:lumMod val="95000"/>
+                  </a:schemeClr>
+                </a:solidFill>
+              </a:rPr>
+              <a:t> bank </a:t>
+            </a:r>
+            <a:r>
+              <a:rPr lang="tr-TR" dirty="0" err="1">
+                <a:solidFill>
+                  <a:schemeClr val="bg1">
+                    <a:lumMod val="95000"/>
+                  </a:schemeClr>
+                </a:solidFill>
+              </a:rPr>
+              <a:t>or</a:t>
+            </a:r>
+            <a:r>
+              <a:rPr lang="tr-TR" dirty="0">
+                <a:solidFill>
+                  <a:schemeClr val="bg1">
+                    <a:lumMod val="95000"/>
+                  </a:schemeClr>
+                </a:solidFill>
+              </a:rPr>
+              <a:t> </a:t>
+            </a:r>
+            <a:r>
+              <a:rPr lang="tr-TR" dirty="0" err="1">
+                <a:solidFill>
+                  <a:schemeClr val="bg1">
+                    <a:lumMod val="95000"/>
+                  </a:schemeClr>
+                </a:solidFill>
+              </a:rPr>
+              <a:t>other</a:t>
+            </a:r>
+            <a:r>
+              <a:rPr lang="tr-TR" dirty="0">
+                <a:solidFill>
+                  <a:schemeClr val="bg1">
+                    <a:lumMod val="95000"/>
+                  </a:schemeClr>
+                </a:solidFill>
+              </a:rPr>
+              <a:t> Financial </a:t>
+            </a:r>
+            <a:r>
+              <a:rPr lang="tr-TR" dirty="0" err="1">
+                <a:solidFill>
+                  <a:schemeClr val="bg1">
+                    <a:lumMod val="95000"/>
+                  </a:schemeClr>
+                </a:solidFill>
+              </a:rPr>
+              <a:t>Institution</a:t>
+            </a:r>
+            <a:r>
+              <a:rPr lang="tr-TR">
+                <a:solidFill>
+                  <a:schemeClr val="bg1">
+                    <a:lumMod val="95000"/>
+                  </a:schemeClr>
+                </a:solidFill>
+              </a:rPr>
+              <a:t>)</a:t>
+            </a:r>
+            <a:endParaRPr lang="tr-TR" dirty="0">
+              <a:solidFill>
+                <a:schemeClr val="bg1">
+                  <a:lumMod val="95000"/>
+                </a:schemeClr>
+              </a:solidFill>
+            </a:endParaRPr>
+          </a:p>
+        </p:txBody>
+      </p:sp>
+      <p:cxnSp>
+        <p:nvCxnSpPr>
+          <p:cNvPr id="5" name="Düz Bağlayıcı 4">
+            <a:extLst>
+              <a:ext uri="{FF2B5EF4-FFF2-40B4-BE49-F238E27FC236}">
+                <a16:creationId xmlns:a16="http://schemas.microsoft.com/office/drawing/2014/main" id="{1902C5E9-9A95-E240-B553-A27D6223C60A}"/>
+              </a:ext>
+            </a:extLst>
+          </p:cNvPr>
+          <p:cNvCxnSpPr>
+            <a:cxnSpLocks/>
+          </p:cNvCxnSpPr>
+          <p:nvPr/>
+        </p:nvCxnSpPr>
+        <p:spPr>
+          <a:xfrm>
+            <a:off x="145473" y="1094509"/>
+            <a:ext cx="7654636" cy="0"/>
+          </a:xfrm>
+          <a:prstGeom prst="line">
+            <a:avLst/>
+          </a:prstGeom>
+          <a:ln>
+            <a:solidFill>
+              <a:srgbClr val="FF7417"/>
+            </a:solidFill>
+          </a:ln>
+        </p:spPr>
+        <p:style>
+          <a:lnRef idx="3">
+            <a:schemeClr val="accent2"/>
+          </a:lnRef>
+          <a:fillRef idx="0">
+            <a:schemeClr val="accent2"/>
+          </a:fillRef>
+          <a:effectRef idx="2">
+            <a:schemeClr val="accent2"/>
+          </a:effectRef>
+          <a:fontRef idx="minor">
+            <a:schemeClr val="tx1"/>
+          </a:fontRef>
+        </p:style>
+      </p:cxnSp>
+    </p:spTree>
+    <p:extLst>
+      <p:ext uri="{BB962C8B-B14F-4D97-AF65-F5344CB8AC3E}">
+        <p14:creationId xmlns:p14="http://schemas.microsoft.com/office/powerpoint/2010/main" val="3371281122"/>
+      </p:ext>
+    </p:extLst>
+  </p:cSld>
+  <p:clrMapOvr>
+    <a:masterClrMapping/>
+  </p:clrMapOvr>
+</p:sld>
+</file>
+
+<file path=ppt/slides/slide4.xml><?xml version="1.0" encoding="utf-8"?>
+<p:sld xmlns:a="http://schemas.openxmlformats.org/drawingml/2006/main" xmlns:r="http://schemas.openxmlformats.org/officeDocument/2006/relationships" xmlns:p="http://schemas.openxmlformats.org/presentationml/2006/main">
+  <p:cSld>
+    <p:bg>
+      <p:bgPr>
+        <a:solidFill>
+          <a:srgbClr val="5D5757"/>
+        </a:solidFill>
+        <a:effectLst/>
+      </p:bgPr>
+    </p:bg>
+    <p:spTree>
+      <p:nvGrpSpPr>
+        <p:cNvPr id="1" name=""/>
+        <p:cNvGrpSpPr/>
+        <p:nvPr/>
+      </p:nvGrpSpPr>
+      <p:grpSpPr>
+        <a:xfrm>
+          <a:off x="0" y="0"/>
+          <a:ext cx="0" cy="0"/>
+          <a:chOff x="0" y="0"/>
+          <a:chExt cx="0" cy="0"/>
+        </a:xfrm>
+      </p:grpSpPr>
+      <p:sp>
+        <p:nvSpPr>
+          <p:cNvPr id="2" name="Başlık 1">
+            <a:extLst>
+              <a:ext uri="{FF2B5EF4-FFF2-40B4-BE49-F238E27FC236}">
                 <a16:creationId xmlns:a16="http://schemas.microsoft.com/office/drawing/2014/main" id="{F996A6ED-24C8-824B-906A-61053D5AB124}"/>
               </a:ext>
             </a:extLst>
@@ -10182,7 +11313,7 @@
 </p:sld>
 </file>
 
-<file path=ppt/slides/slide4.xml><?xml version="1.0" encoding="utf-8"?>
+<file path=ppt/slides/slide5.xml><?xml version="1.0" encoding="utf-8"?>
 <p:sld xmlns:a="http://schemas.openxmlformats.org/drawingml/2006/main" xmlns:r="http://schemas.openxmlformats.org/officeDocument/2006/relationships" xmlns:p="http://schemas.openxmlformats.org/presentationml/2006/main">
   <p:cSld>
     <p:bg>
@@ -10306,7 +11437,7 @@
 </p:sld>
 </file>
 
-<file path=ppt/slides/slide5.xml><?xml version="1.0" encoding="utf-8"?>
+<file path=ppt/slides/slide6.xml><?xml version="1.0" encoding="utf-8"?>
 <p:sld xmlns:a="http://schemas.openxmlformats.org/drawingml/2006/main" xmlns:r="http://schemas.openxmlformats.org/officeDocument/2006/relationships" xmlns:p="http://schemas.openxmlformats.org/presentationml/2006/main">
   <p:cSld>
     <p:bg>
@@ -13090,7 +14221,7 @@
                   <a:schemeClr val="bg1"/>
                 </a:solidFill>
               </a:rPr>
-              <a:t>21 - y - has </a:t>
+              <a:t>17 - y - has </a:t>
             </a:r>
             <a:r>
               <a:rPr lang="tr-TR" dirty="0" err="1">
@@ -13236,7 +14367,7 @@
 </p:sld>
 </file>
 
-<file path=ppt/slides/slide6.xml><?xml version="1.0" encoding="utf-8"?>
+<file path=ppt/slides/slide7.xml><?xml version="1.0" encoding="utf-8"?>
 <p:sld xmlns:a="http://schemas.openxmlformats.org/drawingml/2006/main" xmlns:r="http://schemas.openxmlformats.org/officeDocument/2006/relationships" xmlns:p="http://schemas.openxmlformats.org/presentationml/2006/main">
   <p:cSld>
     <p:bg>
@@ -13636,7 +14767,7 @@
 </p:sld>
 </file>
 
-<file path=ppt/slides/slide7.xml><?xml version="1.0" encoding="utf-8"?>
+<file path=ppt/slides/slide8.xml><?xml version="1.0" encoding="utf-8"?>
 <p:sld xmlns:a="http://schemas.openxmlformats.org/drawingml/2006/main" xmlns:r="http://schemas.openxmlformats.org/officeDocument/2006/relationships" xmlns:p="http://schemas.openxmlformats.org/presentationml/2006/main">
   <p:cSld>
     <p:bg>
@@ -13928,7 +15059,7 @@
 </p:sld>
 </file>
 
-<file path=ppt/slides/slide8.xml><?xml version="1.0" encoding="utf-8"?>
+<file path=ppt/slides/slide9.xml><?xml version="1.0" encoding="utf-8"?>
 <p:sld xmlns:a="http://schemas.openxmlformats.org/drawingml/2006/main" xmlns:r="http://schemas.openxmlformats.org/officeDocument/2006/relationships" xmlns:p="http://schemas.openxmlformats.org/presentationml/2006/main">
   <p:cSld>
     <p:bg>
@@ -14129,214 +15260,6 @@
     <p:extLst>
       <p:ext uri="{BB962C8B-B14F-4D97-AF65-F5344CB8AC3E}">
         <p14:creationId xmlns:p14="http://schemas.microsoft.com/office/powerpoint/2010/main" val="1815565552"/>
-      </p:ext>
-    </p:extLst>
-  </p:cSld>
-  <p:clrMapOvr>
-    <a:masterClrMapping/>
-  </p:clrMapOvr>
-</p:sld>
-</file>
-
-<file path=ppt/slides/slide9.xml><?xml version="1.0" encoding="utf-8"?>
-<p:sld xmlns:a="http://schemas.openxmlformats.org/drawingml/2006/main" xmlns:r="http://schemas.openxmlformats.org/officeDocument/2006/relationships" xmlns:p="http://schemas.openxmlformats.org/presentationml/2006/main">
-  <p:cSld>
-    <p:bg>
-      <p:bgPr>
-        <a:solidFill>
-          <a:schemeClr val="bg1"/>
-        </a:solidFill>
-        <a:effectLst/>
-      </p:bgPr>
-    </p:bg>
-    <p:spTree>
-      <p:nvGrpSpPr>
-        <p:cNvPr id="1" name=""/>
-        <p:cNvGrpSpPr/>
-        <p:nvPr/>
-      </p:nvGrpSpPr>
-      <p:grpSpPr>
-        <a:xfrm>
-          <a:off x="0" y="0"/>
-          <a:ext cx="0" cy="0"/>
-          <a:chOff x="0" y="0"/>
-          <a:chExt cx="0" cy="0"/>
-        </a:xfrm>
-      </p:grpSpPr>
-      <p:sp useBgFill="1">
-        <p:nvSpPr>
-          <p:cNvPr id="27" name="Rectangle 26">
-            <a:extLst>
-              <a:ext uri="{FF2B5EF4-FFF2-40B4-BE49-F238E27FC236}">
-                <a16:creationId xmlns:a16="http://schemas.microsoft.com/office/drawing/2014/main" id="{022BDE4A-8A20-4A69-9C5A-581C82036A4D}"/>
-              </a:ext>
-              <a:ext uri="{C183D7F6-B498-43B3-948B-1728B52AA6E4}">
-                <adec:decorative xmlns:adec="http://schemas.microsoft.com/office/drawing/2017/decorative" val="1"/>
-              </a:ext>
-            </a:extLst>
-          </p:cNvPr>
-          <p:cNvSpPr>
-            <a:spLocks noGrp="1" noRot="1" noChangeAspect="1" noMove="1" noResize="1" noEditPoints="1" noAdjustHandles="1" noChangeArrowheads="1" noChangeShapeType="1" noTextEdit="1"/>
-          </p:cNvSpPr>
-          <p:nvPr>
-            <p:extLst>
-              <p:ext uri="{386F3935-93C4-4BCD-93E2-E3B085C9AB24}">
-                <p16:designElem xmlns:p16="http://schemas.microsoft.com/office/powerpoint/2015/main" val="1"/>
-              </p:ext>
-            </p:extLst>
-          </p:nvPr>
-        </p:nvSpPr>
-        <p:spPr>
-          <a:xfrm>
-            <a:off x="-1" y="0"/>
-            <a:ext cx="12188952" cy="6858000"/>
-          </a:xfrm>
-          <a:prstGeom prst="rect">
-            <a:avLst/>
-          </a:prstGeom>
-          <a:ln>
-            <a:noFill/>
-          </a:ln>
-        </p:spPr>
-        <p:style>
-          <a:lnRef idx="2">
-            <a:schemeClr val="accent1">
-              <a:shade val="50000"/>
-            </a:schemeClr>
-          </a:lnRef>
-          <a:fillRef idx="1">
-            <a:schemeClr val="accent1"/>
-          </a:fillRef>
-          <a:effectRef idx="0">
-            <a:schemeClr val="accent1"/>
-          </a:effectRef>
-          <a:fontRef idx="minor">
-            <a:schemeClr val="lt1"/>
-          </a:fontRef>
-        </p:style>
-        <p:txBody>
-          <a:bodyPr rtlCol="0" anchor="ctr"/>
-          <a:lstStyle/>
-          <a:p>
-            <a:pPr algn="ctr"/>
-            <a:endParaRPr lang="en-US"/>
-          </a:p>
-        </p:txBody>
-      </p:sp>
-      <p:sp>
-        <p:nvSpPr>
-          <p:cNvPr id="2" name="Metin kutusu 1">
-            <a:extLst>
-              <a:ext uri="{FF2B5EF4-FFF2-40B4-BE49-F238E27FC236}">
-                <a16:creationId xmlns:a16="http://schemas.microsoft.com/office/drawing/2014/main" id="{9F0FAD5F-9DAA-FB46-A35B-D74A2E8BA9FE}"/>
-              </a:ext>
-            </a:extLst>
-          </p:cNvPr>
-          <p:cNvSpPr txBox="1"/>
-          <p:nvPr/>
-        </p:nvSpPr>
-        <p:spPr>
-          <a:xfrm>
-            <a:off x="912597" y="504735"/>
-            <a:ext cx="10178934" cy="700489"/>
-          </a:xfrm>
-          <a:prstGeom prst="rect">
-            <a:avLst/>
-          </a:prstGeom>
-        </p:spPr>
-        <p:txBody>
-          <a:bodyPr vert="horz" lIns="91440" tIns="45720" rIns="91440" bIns="45720" rtlCol="0" anchor="b">
-            <a:normAutofit/>
-          </a:bodyPr>
-          <a:lstStyle/>
-          <a:p>
-            <a:pPr algn="ctr">
-              <a:lnSpc>
-                <a:spcPct val="90000"/>
-              </a:lnSpc>
-              <a:spcBef>
-                <a:spcPct val="0"/>
-              </a:spcBef>
-              <a:spcAft>
-                <a:spcPts val="600"/>
-              </a:spcAft>
-            </a:pPr>
-            <a:r>
-              <a:rPr lang="en-US" sz="3600" kern="1200" dirty="0">
-                <a:solidFill>
-                  <a:schemeClr val="tx1"/>
-                </a:solidFill>
-                <a:latin typeface="+mj-lt"/>
-                <a:ea typeface="+mj-ea"/>
-                <a:cs typeface="+mj-cs"/>
-              </a:rPr>
-              <a:t>Frequency of the default and education</a:t>
-            </a:r>
-          </a:p>
-        </p:txBody>
-      </p:sp>
-      <p:pic>
-        <p:nvPicPr>
-          <p:cNvPr id="8" name="Resim 7">
-            <a:extLst>
-              <a:ext uri="{FF2B5EF4-FFF2-40B4-BE49-F238E27FC236}">
-                <a16:creationId xmlns:a16="http://schemas.microsoft.com/office/drawing/2014/main" id="{1217B7E3-E44F-9145-89FE-6C57603A0D80}"/>
-              </a:ext>
-            </a:extLst>
-          </p:cNvPr>
-          <p:cNvPicPr>
-            <a:picLocks noChangeAspect="1"/>
-          </p:cNvPicPr>
-          <p:nvPr/>
-        </p:nvPicPr>
-        <p:blipFill rotWithShape="1">
-          <a:blip r:embed="rId2"/>
-          <a:srcRect r="4532" b="2"/>
-          <a:stretch/>
-        </p:blipFill>
-        <p:spPr>
-          <a:xfrm>
-            <a:off x="190917" y="1993760"/>
-            <a:ext cx="5803323" cy="3890357"/>
-          </a:xfrm>
-          <a:prstGeom prst="rect">
-            <a:avLst/>
-          </a:prstGeom>
-        </p:spPr>
-      </p:pic>
-      <p:pic>
-        <p:nvPicPr>
-          <p:cNvPr id="5" name="Resim 4">
-            <a:extLst>
-              <a:ext uri="{FF2B5EF4-FFF2-40B4-BE49-F238E27FC236}">
-                <a16:creationId xmlns:a16="http://schemas.microsoft.com/office/drawing/2014/main" id="{32F3FC92-80D6-574D-85D6-147F178CDC13}"/>
-              </a:ext>
-            </a:extLst>
-          </p:cNvPr>
-          <p:cNvPicPr>
-            <a:picLocks noChangeAspect="1"/>
-          </p:cNvPicPr>
-          <p:nvPr/>
-        </p:nvPicPr>
-        <p:blipFill rotWithShape="1">
-          <a:blip r:embed="rId3"/>
-          <a:srcRect r="2668" b="3"/>
-          <a:stretch/>
-        </p:blipFill>
-        <p:spPr>
-          <a:xfrm>
-            <a:off x="6185158" y="2086433"/>
-            <a:ext cx="5803323" cy="3890357"/>
-          </a:xfrm>
-          <a:prstGeom prst="rect">
-            <a:avLst/>
-          </a:prstGeom>
-        </p:spPr>
-      </p:pic>
-    </p:spTree>
-    <p:extLst>
-      <p:ext uri="{BB962C8B-B14F-4D97-AF65-F5344CB8AC3E}">
-        <p14:creationId xmlns:p14="http://schemas.microsoft.com/office/powerpoint/2010/main" val="3774498237"/>
       </p:ext>
     </p:extLst>
   </p:cSld>

--- a/final_EDA.pptx
+++ b/final_EDA.pptx
@@ -5251,9 +5251,39 @@
         </p:blipFill>
         <p:spPr>
           <a:xfrm>
-            <a:off x="3083544" y="1489960"/>
+            <a:off x="139518" y="1515425"/>
             <a:ext cx="5723970" cy="4351338"/>
           </a:xfrm>
+        </p:spPr>
+      </p:pic>
+      <p:pic>
+        <p:nvPicPr>
+          <p:cNvPr id="4" name="Resim 3">
+            <a:extLst>
+              <a:ext uri="{FF2B5EF4-FFF2-40B4-BE49-F238E27FC236}">
+                <a16:creationId xmlns:a16="http://schemas.microsoft.com/office/drawing/2014/main" id="{0EC1E30B-691B-7542-A248-E552901698FC}"/>
+              </a:ext>
+            </a:extLst>
+          </p:cNvPr>
+          <p:cNvPicPr>
+            <a:picLocks noChangeAspect="1"/>
+          </p:cNvPicPr>
+          <p:nvPr/>
+        </p:nvPicPr>
+        <p:blipFill>
+          <a:blip r:embed="rId3"/>
+          <a:stretch>
+            <a:fillRect/>
+          </a:stretch>
+        </p:blipFill>
+        <p:spPr>
+          <a:xfrm>
+            <a:off x="5775062" y="1586871"/>
+            <a:ext cx="6277420" cy="4208447"/>
+          </a:xfrm>
+          <a:prstGeom prst="rect">
+            <a:avLst/>
+          </a:prstGeom>
         </p:spPr>
       </p:pic>
     </p:spTree>
